--- a/idea poster.pptx
+++ b/idea poster.pptx
@@ -5,10 +5,10 @@
     <p:sldMasterId id="2147483648" r:id="rId1"/>
   </p:sldMasterIdLst>
   <p:notesMasterIdLst>
-    <p:notesMasterId r:id="rId4"/>
+    <p:notesMasterId r:id="rId3"/>
   </p:notesMasterIdLst>
   <p:sldIdLst>
-    <p:sldId id="257" r:id="rId3"/>
+    <p:sldId id="258" r:id="rId2"/>
   </p:sldIdLst>
   <p:sldSz cx="12192000" cy="6858000"/>
   <p:notesSz cx="6858000" cy="9144000"/>
@@ -107,6 +107,11 @@
       </a:defRPr>
     </a:lvl9pPr>
   </p:defaultTextStyle>
+  <p:extLst>
+    <p:ext uri="{EFAFB233-063F-42B5-8137-9DF3F51BA10A}">
+      <p15:sldGuideLst xmlns:p15="http://schemas.microsoft.com/office/powerpoint/2012/main"/>
+    </p:ext>
+  </p:extLst>
 </p:presentation>
 </file>
 
@@ -192,6 +197,7 @@
           <a:p>
             <a:fld id="{99914300-88F6-7848-8AE0-FCF70DE44CB4}" type="datetimeFigureOut">
               <a:rPr kumimoji="1" lang="zh-CN" altLang="en-US" smtClean="0"/>
+              <a:t>2025/6/13</a:t>
             </a:fld>
             <a:endParaRPr kumimoji="1" lang="zh-CN" altLang="en-US"/>
           </a:p>
@@ -258,7 +264,6 @@
               <a:rPr kumimoji="1" lang="zh-CN" altLang="en-US"/>
               <a:t>单击此处编辑母版文本样式</a:t>
             </a:r>
-            <a:endParaRPr kumimoji="1" lang="zh-CN" altLang="en-US"/>
           </a:p>
           <a:p>
             <a:pPr lvl="1"/>
@@ -266,7 +271,6 @@
               <a:rPr kumimoji="1" lang="zh-CN" altLang="en-US"/>
               <a:t>二级</a:t>
             </a:r>
-            <a:endParaRPr kumimoji="1" lang="zh-CN" altLang="en-US"/>
           </a:p>
           <a:p>
             <a:pPr lvl="2"/>
@@ -274,7 +278,6 @@
               <a:rPr kumimoji="1" lang="zh-CN" altLang="en-US"/>
               <a:t>三级</a:t>
             </a:r>
-            <a:endParaRPr kumimoji="1" lang="zh-CN" altLang="en-US"/>
           </a:p>
           <a:p>
             <a:pPr lvl="3"/>
@@ -282,7 +285,6 @@
               <a:rPr kumimoji="1" lang="zh-CN" altLang="en-US"/>
               <a:t>四级</a:t>
             </a:r>
-            <a:endParaRPr kumimoji="1" lang="zh-CN" altLang="en-US"/>
           </a:p>
           <a:p>
             <a:pPr lvl="4"/>
@@ -290,7 +292,6 @@
               <a:rPr kumimoji="1" lang="zh-CN" altLang="en-US"/>
               <a:t>五级</a:t>
             </a:r>
-            <a:endParaRPr kumimoji="1" lang="zh-CN" altLang="en-US"/>
           </a:p>
         </p:txBody>
       </p:sp>
@@ -354,6 +355,7 @@
           <a:p>
             <a:fld id="{568B4A32-60D1-C44E-B0AB-05189C8B39E0}" type="slidenum">
               <a:rPr kumimoji="1" lang="zh-CN" altLang="en-US" smtClean="0"/>
+              <a:t>‹#›</a:t>
             </a:fld>
             <a:endParaRPr kumimoji="1" lang="zh-CN" altLang="en-US"/>
           </a:p>
@@ -522,6 +524,7 @@
           <a:p>
             <a:fld id="{568B4A32-60D1-C44E-B0AB-05189C8B39E0}" type="slidenum">
               <a:rPr kumimoji="1" lang="zh-CN" altLang="en-US" smtClean="0"/>
+              <a:t>1</a:t>
             </a:fld>
             <a:endParaRPr kumimoji="1" lang="zh-CN" altLang="en-US"/>
           </a:p>
@@ -580,7 +583,6 @@
               <a:rPr kumimoji="1" lang="zh-CN" altLang="en-US"/>
               <a:t>单击此处编辑母版标题样式</a:t>
             </a:r>
-            <a:endParaRPr kumimoji="1" lang="zh-CN" altLang="en-US"/>
           </a:p>
         </p:txBody>
       </p:sp>
@@ -645,7 +647,6 @@
               <a:rPr kumimoji="1" lang="zh-CN" altLang="en-US"/>
               <a:t>单击此处编辑母版副标题样式</a:t>
             </a:r>
-            <a:endParaRPr kumimoji="1" lang="zh-CN" altLang="en-US"/>
           </a:p>
         </p:txBody>
       </p:sp>
@@ -666,6 +667,7 @@
           <a:p>
             <a:fld id="{B8C17918-3A8B-164F-B62C-07D5B113208C}" type="datetimeFigureOut">
               <a:rPr kumimoji="1" lang="zh-CN" altLang="en-US" smtClean="0"/>
+              <a:t>2025/6/13</a:t>
             </a:fld>
             <a:endParaRPr kumimoji="1" lang="zh-CN" altLang="en-US"/>
           </a:p>
@@ -707,6 +709,7 @@
           <a:p>
             <a:fld id="{0E00DDE1-2C70-D44F-8677-F4A7388D2818}" type="slidenum">
               <a:rPr kumimoji="1" lang="zh-CN" altLang="en-US" smtClean="0"/>
+              <a:t>‹#›</a:t>
             </a:fld>
             <a:endParaRPr kumimoji="1" lang="zh-CN" altLang="en-US"/>
           </a:p>
@@ -756,7 +759,6 @@
               <a:rPr kumimoji="1" lang="zh-CN" altLang="en-US"/>
               <a:t>单击此处编辑母版标题样式</a:t>
             </a:r>
-            <a:endParaRPr kumimoji="1" lang="zh-CN" altLang="en-US"/>
           </a:p>
         </p:txBody>
       </p:sp>
@@ -780,7 +782,6 @@
               <a:rPr kumimoji="1" lang="zh-CN" altLang="en-US"/>
               <a:t>单击此处编辑母版文本样式</a:t>
             </a:r>
-            <a:endParaRPr kumimoji="1" lang="zh-CN" altLang="en-US"/>
           </a:p>
           <a:p>
             <a:pPr lvl="1"/>
@@ -788,7 +789,6 @@
               <a:rPr kumimoji="1" lang="zh-CN" altLang="en-US"/>
               <a:t>二级</a:t>
             </a:r>
-            <a:endParaRPr kumimoji="1" lang="zh-CN" altLang="en-US"/>
           </a:p>
           <a:p>
             <a:pPr lvl="2"/>
@@ -796,7 +796,6 @@
               <a:rPr kumimoji="1" lang="zh-CN" altLang="en-US"/>
               <a:t>三级</a:t>
             </a:r>
-            <a:endParaRPr kumimoji="1" lang="zh-CN" altLang="en-US"/>
           </a:p>
           <a:p>
             <a:pPr lvl="3"/>
@@ -804,7 +803,6 @@
               <a:rPr kumimoji="1" lang="zh-CN" altLang="en-US"/>
               <a:t>四级</a:t>
             </a:r>
-            <a:endParaRPr kumimoji="1" lang="zh-CN" altLang="en-US"/>
           </a:p>
           <a:p>
             <a:pPr lvl="4"/>
@@ -812,7 +810,6 @@
               <a:rPr kumimoji="1" lang="zh-CN" altLang="en-US"/>
               <a:t>五级</a:t>
             </a:r>
-            <a:endParaRPr kumimoji="1" lang="zh-CN" altLang="en-US"/>
           </a:p>
         </p:txBody>
       </p:sp>
@@ -833,6 +830,7 @@
           <a:p>
             <a:fld id="{B8C17918-3A8B-164F-B62C-07D5B113208C}" type="datetimeFigureOut">
               <a:rPr kumimoji="1" lang="zh-CN" altLang="en-US" smtClean="0"/>
+              <a:t>2025/6/13</a:t>
             </a:fld>
             <a:endParaRPr kumimoji="1" lang="zh-CN" altLang="en-US"/>
           </a:p>
@@ -874,6 +872,7 @@
           <a:p>
             <a:fld id="{0E00DDE1-2C70-D44F-8677-F4A7388D2818}" type="slidenum">
               <a:rPr kumimoji="1" lang="zh-CN" altLang="en-US" smtClean="0"/>
+              <a:t>‹#›</a:t>
             </a:fld>
             <a:endParaRPr kumimoji="1" lang="zh-CN" altLang="en-US"/>
           </a:p>
@@ -928,7 +927,6 @@
               <a:rPr kumimoji="1" lang="zh-CN" altLang="en-US"/>
               <a:t>单击此处编辑母版标题样式</a:t>
             </a:r>
-            <a:endParaRPr kumimoji="1" lang="zh-CN" altLang="en-US"/>
           </a:p>
         </p:txBody>
       </p:sp>
@@ -957,7 +955,6 @@
               <a:rPr kumimoji="1" lang="zh-CN" altLang="en-US"/>
               <a:t>单击此处编辑母版文本样式</a:t>
             </a:r>
-            <a:endParaRPr kumimoji="1" lang="zh-CN" altLang="en-US"/>
           </a:p>
           <a:p>
             <a:pPr lvl="1"/>
@@ -965,7 +962,6 @@
               <a:rPr kumimoji="1" lang="zh-CN" altLang="en-US"/>
               <a:t>二级</a:t>
             </a:r>
-            <a:endParaRPr kumimoji="1" lang="zh-CN" altLang="en-US"/>
           </a:p>
           <a:p>
             <a:pPr lvl="2"/>
@@ -973,7 +969,6 @@
               <a:rPr kumimoji="1" lang="zh-CN" altLang="en-US"/>
               <a:t>三级</a:t>
             </a:r>
-            <a:endParaRPr kumimoji="1" lang="zh-CN" altLang="en-US"/>
           </a:p>
           <a:p>
             <a:pPr lvl="3"/>
@@ -981,7 +976,6 @@
               <a:rPr kumimoji="1" lang="zh-CN" altLang="en-US"/>
               <a:t>四级</a:t>
             </a:r>
-            <a:endParaRPr kumimoji="1" lang="zh-CN" altLang="en-US"/>
           </a:p>
           <a:p>
             <a:pPr lvl="4"/>
@@ -989,7 +983,6 @@
               <a:rPr kumimoji="1" lang="zh-CN" altLang="en-US"/>
               <a:t>五级</a:t>
             </a:r>
-            <a:endParaRPr kumimoji="1" lang="zh-CN" altLang="en-US"/>
           </a:p>
         </p:txBody>
       </p:sp>
@@ -1010,6 +1003,7 @@
           <a:p>
             <a:fld id="{B8C17918-3A8B-164F-B62C-07D5B113208C}" type="datetimeFigureOut">
               <a:rPr kumimoji="1" lang="zh-CN" altLang="en-US" smtClean="0"/>
+              <a:t>2025/6/13</a:t>
             </a:fld>
             <a:endParaRPr kumimoji="1" lang="zh-CN" altLang="en-US"/>
           </a:p>
@@ -1051,6 +1045,7 @@
           <a:p>
             <a:fld id="{0E00DDE1-2C70-D44F-8677-F4A7388D2818}" type="slidenum">
               <a:rPr kumimoji="1" lang="zh-CN" altLang="en-US" smtClean="0"/>
+              <a:t>‹#›</a:t>
             </a:fld>
             <a:endParaRPr kumimoji="1" lang="zh-CN" altLang="en-US"/>
           </a:p>
@@ -1100,7 +1095,6 @@
               <a:rPr kumimoji="1" lang="zh-CN" altLang="en-US"/>
               <a:t>单击此处编辑母版标题样式</a:t>
             </a:r>
-            <a:endParaRPr kumimoji="1" lang="zh-CN" altLang="en-US"/>
           </a:p>
         </p:txBody>
       </p:sp>
@@ -1124,7 +1118,6 @@
               <a:rPr kumimoji="1" lang="zh-CN" altLang="en-US"/>
               <a:t>单击此处编辑母版文本样式</a:t>
             </a:r>
-            <a:endParaRPr kumimoji="1" lang="zh-CN" altLang="en-US"/>
           </a:p>
           <a:p>
             <a:pPr lvl="1"/>
@@ -1132,7 +1125,6 @@
               <a:rPr kumimoji="1" lang="zh-CN" altLang="en-US"/>
               <a:t>二级</a:t>
             </a:r>
-            <a:endParaRPr kumimoji="1" lang="zh-CN" altLang="en-US"/>
           </a:p>
           <a:p>
             <a:pPr lvl="2"/>
@@ -1140,7 +1132,6 @@
               <a:rPr kumimoji="1" lang="zh-CN" altLang="en-US"/>
               <a:t>三级</a:t>
             </a:r>
-            <a:endParaRPr kumimoji="1" lang="zh-CN" altLang="en-US"/>
           </a:p>
           <a:p>
             <a:pPr lvl="3"/>
@@ -1148,7 +1139,6 @@
               <a:rPr kumimoji="1" lang="zh-CN" altLang="en-US"/>
               <a:t>四级</a:t>
             </a:r>
-            <a:endParaRPr kumimoji="1" lang="zh-CN" altLang="en-US"/>
           </a:p>
           <a:p>
             <a:pPr lvl="4"/>
@@ -1156,7 +1146,6 @@
               <a:rPr kumimoji="1" lang="zh-CN" altLang="en-US"/>
               <a:t>五级</a:t>
             </a:r>
-            <a:endParaRPr kumimoji="1" lang="zh-CN" altLang="en-US"/>
           </a:p>
         </p:txBody>
       </p:sp>
@@ -1177,6 +1166,7 @@
           <a:p>
             <a:fld id="{B8C17918-3A8B-164F-B62C-07D5B113208C}" type="datetimeFigureOut">
               <a:rPr kumimoji="1" lang="zh-CN" altLang="en-US" smtClean="0"/>
+              <a:t>2025/6/13</a:t>
             </a:fld>
             <a:endParaRPr kumimoji="1" lang="zh-CN" altLang="en-US"/>
           </a:p>
@@ -1218,6 +1208,7 @@
           <a:p>
             <a:fld id="{0E00DDE1-2C70-D44F-8677-F4A7388D2818}" type="slidenum">
               <a:rPr kumimoji="1" lang="zh-CN" altLang="en-US" smtClean="0"/>
+              <a:t>‹#›</a:t>
             </a:fld>
             <a:endParaRPr kumimoji="1" lang="zh-CN" altLang="en-US"/>
           </a:p>
@@ -1276,7 +1267,6 @@
               <a:rPr kumimoji="1" lang="zh-CN" altLang="en-US"/>
               <a:t>单击此处编辑母版标题样式</a:t>
             </a:r>
-            <a:endParaRPr kumimoji="1" lang="zh-CN" altLang="en-US"/>
           </a:p>
         </p:txBody>
       </p:sp>
@@ -1396,7 +1386,6 @@
               <a:rPr kumimoji="1" lang="zh-CN" altLang="en-US"/>
               <a:t>单击此处编辑母版文本样式</a:t>
             </a:r>
-            <a:endParaRPr kumimoji="1" lang="zh-CN" altLang="en-US"/>
           </a:p>
         </p:txBody>
       </p:sp>
@@ -1417,6 +1406,7 @@
           <a:p>
             <a:fld id="{B8C17918-3A8B-164F-B62C-07D5B113208C}" type="datetimeFigureOut">
               <a:rPr kumimoji="1" lang="zh-CN" altLang="en-US" smtClean="0"/>
+              <a:t>2025/6/13</a:t>
             </a:fld>
             <a:endParaRPr kumimoji="1" lang="zh-CN" altLang="en-US"/>
           </a:p>
@@ -1458,6 +1448,7 @@
           <a:p>
             <a:fld id="{0E00DDE1-2C70-D44F-8677-F4A7388D2818}" type="slidenum">
               <a:rPr kumimoji="1" lang="zh-CN" altLang="en-US" smtClean="0"/>
+              <a:t>‹#›</a:t>
             </a:fld>
             <a:endParaRPr kumimoji="1" lang="zh-CN" altLang="en-US"/>
           </a:p>
@@ -1507,7 +1498,6 @@
               <a:rPr kumimoji="1" lang="zh-CN" altLang="en-US"/>
               <a:t>单击此处编辑母版标题样式</a:t>
             </a:r>
-            <a:endParaRPr kumimoji="1" lang="zh-CN" altLang="en-US"/>
           </a:p>
         </p:txBody>
       </p:sp>
@@ -1536,7 +1526,6 @@
               <a:rPr kumimoji="1" lang="zh-CN" altLang="en-US"/>
               <a:t>单击此处编辑母版文本样式</a:t>
             </a:r>
-            <a:endParaRPr kumimoji="1" lang="zh-CN" altLang="en-US"/>
           </a:p>
           <a:p>
             <a:pPr lvl="1"/>
@@ -1544,7 +1533,6 @@
               <a:rPr kumimoji="1" lang="zh-CN" altLang="en-US"/>
               <a:t>二级</a:t>
             </a:r>
-            <a:endParaRPr kumimoji="1" lang="zh-CN" altLang="en-US"/>
           </a:p>
           <a:p>
             <a:pPr lvl="2"/>
@@ -1552,7 +1540,6 @@
               <a:rPr kumimoji="1" lang="zh-CN" altLang="en-US"/>
               <a:t>三级</a:t>
             </a:r>
-            <a:endParaRPr kumimoji="1" lang="zh-CN" altLang="en-US"/>
           </a:p>
           <a:p>
             <a:pPr lvl="3"/>
@@ -1560,7 +1547,6 @@
               <a:rPr kumimoji="1" lang="zh-CN" altLang="en-US"/>
               <a:t>四级</a:t>
             </a:r>
-            <a:endParaRPr kumimoji="1" lang="zh-CN" altLang="en-US"/>
           </a:p>
           <a:p>
             <a:pPr lvl="4"/>
@@ -1568,7 +1554,6 @@
               <a:rPr kumimoji="1" lang="zh-CN" altLang="en-US"/>
               <a:t>五级</a:t>
             </a:r>
-            <a:endParaRPr kumimoji="1" lang="zh-CN" altLang="en-US"/>
           </a:p>
         </p:txBody>
       </p:sp>
@@ -1597,7 +1582,6 @@
               <a:rPr kumimoji="1" lang="zh-CN" altLang="en-US"/>
               <a:t>单击此处编辑母版文本样式</a:t>
             </a:r>
-            <a:endParaRPr kumimoji="1" lang="zh-CN" altLang="en-US"/>
           </a:p>
           <a:p>
             <a:pPr lvl="1"/>
@@ -1605,7 +1589,6 @@
               <a:rPr kumimoji="1" lang="zh-CN" altLang="en-US"/>
               <a:t>二级</a:t>
             </a:r>
-            <a:endParaRPr kumimoji="1" lang="zh-CN" altLang="en-US"/>
           </a:p>
           <a:p>
             <a:pPr lvl="2"/>
@@ -1613,7 +1596,6 @@
               <a:rPr kumimoji="1" lang="zh-CN" altLang="en-US"/>
               <a:t>三级</a:t>
             </a:r>
-            <a:endParaRPr kumimoji="1" lang="zh-CN" altLang="en-US"/>
           </a:p>
           <a:p>
             <a:pPr lvl="3"/>
@@ -1621,7 +1603,6 @@
               <a:rPr kumimoji="1" lang="zh-CN" altLang="en-US"/>
               <a:t>四级</a:t>
             </a:r>
-            <a:endParaRPr kumimoji="1" lang="zh-CN" altLang="en-US"/>
           </a:p>
           <a:p>
             <a:pPr lvl="4"/>
@@ -1629,7 +1610,6 @@
               <a:rPr kumimoji="1" lang="zh-CN" altLang="en-US"/>
               <a:t>五级</a:t>
             </a:r>
-            <a:endParaRPr kumimoji="1" lang="zh-CN" altLang="en-US"/>
           </a:p>
         </p:txBody>
       </p:sp>
@@ -1650,6 +1630,7 @@
           <a:p>
             <a:fld id="{B8C17918-3A8B-164F-B62C-07D5B113208C}" type="datetimeFigureOut">
               <a:rPr kumimoji="1" lang="zh-CN" altLang="en-US" smtClean="0"/>
+              <a:t>2025/6/13</a:t>
             </a:fld>
             <a:endParaRPr kumimoji="1" lang="zh-CN" altLang="en-US"/>
           </a:p>
@@ -1691,6 +1672,7 @@
           <a:p>
             <a:fld id="{0E00DDE1-2C70-D44F-8677-F4A7388D2818}" type="slidenum">
               <a:rPr kumimoji="1" lang="zh-CN" altLang="en-US" smtClean="0"/>
+              <a:t>‹#›</a:t>
             </a:fld>
             <a:endParaRPr kumimoji="1" lang="zh-CN" altLang="en-US"/>
           </a:p>
@@ -1745,7 +1727,6 @@
               <a:rPr kumimoji="1" lang="zh-CN" altLang="en-US"/>
               <a:t>单击此处编辑母版标题样式</a:t>
             </a:r>
-            <a:endParaRPr kumimoji="1" lang="zh-CN" altLang="en-US"/>
           </a:p>
         </p:txBody>
       </p:sp>
@@ -1811,7 +1792,6 @@
               <a:rPr kumimoji="1" lang="zh-CN" altLang="en-US"/>
               <a:t>单击此处编辑母版文本样式</a:t>
             </a:r>
-            <a:endParaRPr kumimoji="1" lang="zh-CN" altLang="en-US"/>
           </a:p>
         </p:txBody>
       </p:sp>
@@ -1840,7 +1820,6 @@
               <a:rPr kumimoji="1" lang="zh-CN" altLang="en-US"/>
               <a:t>单击此处编辑母版文本样式</a:t>
             </a:r>
-            <a:endParaRPr kumimoji="1" lang="zh-CN" altLang="en-US"/>
           </a:p>
           <a:p>
             <a:pPr lvl="1"/>
@@ -1848,7 +1827,6 @@
               <a:rPr kumimoji="1" lang="zh-CN" altLang="en-US"/>
               <a:t>二级</a:t>
             </a:r>
-            <a:endParaRPr kumimoji="1" lang="zh-CN" altLang="en-US"/>
           </a:p>
           <a:p>
             <a:pPr lvl="2"/>
@@ -1856,7 +1834,6 @@
               <a:rPr kumimoji="1" lang="zh-CN" altLang="en-US"/>
               <a:t>三级</a:t>
             </a:r>
-            <a:endParaRPr kumimoji="1" lang="zh-CN" altLang="en-US"/>
           </a:p>
           <a:p>
             <a:pPr lvl="3"/>
@@ -1864,7 +1841,6 @@
               <a:rPr kumimoji="1" lang="zh-CN" altLang="en-US"/>
               <a:t>四级</a:t>
             </a:r>
-            <a:endParaRPr kumimoji="1" lang="zh-CN" altLang="en-US"/>
           </a:p>
           <a:p>
             <a:pPr lvl="4"/>
@@ -1872,7 +1848,6 @@
               <a:rPr kumimoji="1" lang="zh-CN" altLang="en-US"/>
               <a:t>五级</a:t>
             </a:r>
-            <a:endParaRPr kumimoji="1" lang="zh-CN" altLang="en-US"/>
           </a:p>
         </p:txBody>
       </p:sp>
@@ -1938,7 +1913,6 @@
               <a:rPr kumimoji="1" lang="zh-CN" altLang="en-US"/>
               <a:t>单击此处编辑母版文本样式</a:t>
             </a:r>
-            <a:endParaRPr kumimoji="1" lang="zh-CN" altLang="en-US"/>
           </a:p>
         </p:txBody>
       </p:sp>
@@ -1967,7 +1941,6 @@
               <a:rPr kumimoji="1" lang="zh-CN" altLang="en-US"/>
               <a:t>单击此处编辑母版文本样式</a:t>
             </a:r>
-            <a:endParaRPr kumimoji="1" lang="zh-CN" altLang="en-US"/>
           </a:p>
           <a:p>
             <a:pPr lvl="1"/>
@@ -1975,7 +1948,6 @@
               <a:rPr kumimoji="1" lang="zh-CN" altLang="en-US"/>
               <a:t>二级</a:t>
             </a:r>
-            <a:endParaRPr kumimoji="1" lang="zh-CN" altLang="en-US"/>
           </a:p>
           <a:p>
             <a:pPr lvl="2"/>
@@ -1983,7 +1955,6 @@
               <a:rPr kumimoji="1" lang="zh-CN" altLang="en-US"/>
               <a:t>三级</a:t>
             </a:r>
-            <a:endParaRPr kumimoji="1" lang="zh-CN" altLang="en-US"/>
           </a:p>
           <a:p>
             <a:pPr lvl="3"/>
@@ -1991,7 +1962,6 @@
               <a:rPr kumimoji="1" lang="zh-CN" altLang="en-US"/>
               <a:t>四级</a:t>
             </a:r>
-            <a:endParaRPr kumimoji="1" lang="zh-CN" altLang="en-US"/>
           </a:p>
           <a:p>
             <a:pPr lvl="4"/>
@@ -1999,7 +1969,6 @@
               <a:rPr kumimoji="1" lang="zh-CN" altLang="en-US"/>
               <a:t>五级</a:t>
             </a:r>
-            <a:endParaRPr kumimoji="1" lang="zh-CN" altLang="en-US"/>
           </a:p>
         </p:txBody>
       </p:sp>
@@ -2020,6 +1989,7 @@
           <a:p>
             <a:fld id="{B8C17918-3A8B-164F-B62C-07D5B113208C}" type="datetimeFigureOut">
               <a:rPr kumimoji="1" lang="zh-CN" altLang="en-US" smtClean="0"/>
+              <a:t>2025/6/13</a:t>
             </a:fld>
             <a:endParaRPr kumimoji="1" lang="zh-CN" altLang="en-US"/>
           </a:p>
@@ -2061,6 +2031,7 @@
           <a:p>
             <a:fld id="{0E00DDE1-2C70-D44F-8677-F4A7388D2818}" type="slidenum">
               <a:rPr kumimoji="1" lang="zh-CN" altLang="en-US" smtClean="0"/>
+              <a:t>‹#›</a:t>
             </a:fld>
             <a:endParaRPr kumimoji="1" lang="zh-CN" altLang="en-US"/>
           </a:p>
@@ -2110,7 +2081,6 @@
               <a:rPr kumimoji="1" lang="zh-CN" altLang="en-US"/>
               <a:t>单击此处编辑母版标题样式</a:t>
             </a:r>
-            <a:endParaRPr kumimoji="1" lang="zh-CN" altLang="en-US"/>
           </a:p>
         </p:txBody>
       </p:sp>
@@ -2131,6 +2101,7 @@
           <a:p>
             <a:fld id="{B8C17918-3A8B-164F-B62C-07D5B113208C}" type="datetimeFigureOut">
               <a:rPr kumimoji="1" lang="zh-CN" altLang="en-US" smtClean="0"/>
+              <a:t>2025/6/13</a:t>
             </a:fld>
             <a:endParaRPr kumimoji="1" lang="zh-CN" altLang="en-US"/>
           </a:p>
@@ -2172,6 +2143,7 @@
           <a:p>
             <a:fld id="{0E00DDE1-2C70-D44F-8677-F4A7388D2818}" type="slidenum">
               <a:rPr kumimoji="1" lang="zh-CN" altLang="en-US" smtClean="0"/>
+              <a:t>‹#›</a:t>
             </a:fld>
             <a:endParaRPr kumimoji="1" lang="zh-CN" altLang="en-US"/>
           </a:p>
@@ -2219,6 +2191,7 @@
           <a:p>
             <a:fld id="{B8C17918-3A8B-164F-B62C-07D5B113208C}" type="datetimeFigureOut">
               <a:rPr kumimoji="1" lang="zh-CN" altLang="en-US" smtClean="0"/>
+              <a:t>2025/6/13</a:t>
             </a:fld>
             <a:endParaRPr kumimoji="1" lang="zh-CN" altLang="en-US"/>
           </a:p>
@@ -2260,6 +2233,7 @@
           <a:p>
             <a:fld id="{0E00DDE1-2C70-D44F-8677-F4A7388D2818}" type="slidenum">
               <a:rPr kumimoji="1" lang="zh-CN" altLang="en-US" smtClean="0"/>
+              <a:t>‹#›</a:t>
             </a:fld>
             <a:endParaRPr kumimoji="1" lang="zh-CN" altLang="en-US"/>
           </a:p>
@@ -2318,7 +2292,6 @@
               <a:rPr kumimoji="1" lang="zh-CN" altLang="en-US"/>
               <a:t>单击此处编辑母版标题样式</a:t>
             </a:r>
-            <a:endParaRPr kumimoji="1" lang="zh-CN" altLang="en-US"/>
           </a:p>
         </p:txBody>
       </p:sp>
@@ -2375,7 +2348,6 @@
               <a:rPr kumimoji="1" lang="zh-CN" altLang="en-US"/>
               <a:t>单击此处编辑母版文本样式</a:t>
             </a:r>
-            <a:endParaRPr kumimoji="1" lang="zh-CN" altLang="en-US"/>
           </a:p>
           <a:p>
             <a:pPr lvl="1"/>
@@ -2383,7 +2355,6 @@
               <a:rPr kumimoji="1" lang="zh-CN" altLang="en-US"/>
               <a:t>二级</a:t>
             </a:r>
-            <a:endParaRPr kumimoji="1" lang="zh-CN" altLang="en-US"/>
           </a:p>
           <a:p>
             <a:pPr lvl="2"/>
@@ -2391,7 +2362,6 @@
               <a:rPr kumimoji="1" lang="zh-CN" altLang="en-US"/>
               <a:t>三级</a:t>
             </a:r>
-            <a:endParaRPr kumimoji="1" lang="zh-CN" altLang="en-US"/>
           </a:p>
           <a:p>
             <a:pPr lvl="3"/>
@@ -2399,7 +2369,6 @@
               <a:rPr kumimoji="1" lang="zh-CN" altLang="en-US"/>
               <a:t>四级</a:t>
             </a:r>
-            <a:endParaRPr kumimoji="1" lang="zh-CN" altLang="en-US"/>
           </a:p>
           <a:p>
             <a:pPr lvl="4"/>
@@ -2407,7 +2376,6 @@
               <a:rPr kumimoji="1" lang="zh-CN" altLang="en-US"/>
               <a:t>五级</a:t>
             </a:r>
-            <a:endParaRPr kumimoji="1" lang="zh-CN" altLang="en-US"/>
           </a:p>
         </p:txBody>
       </p:sp>
@@ -2473,7 +2441,6 @@
               <a:rPr kumimoji="1" lang="zh-CN" altLang="en-US"/>
               <a:t>单击此处编辑母版文本样式</a:t>
             </a:r>
-            <a:endParaRPr kumimoji="1" lang="zh-CN" altLang="en-US"/>
           </a:p>
         </p:txBody>
       </p:sp>
@@ -2494,6 +2461,7 @@
           <a:p>
             <a:fld id="{B8C17918-3A8B-164F-B62C-07D5B113208C}" type="datetimeFigureOut">
               <a:rPr kumimoji="1" lang="zh-CN" altLang="en-US" smtClean="0"/>
+              <a:t>2025/6/13</a:t>
             </a:fld>
             <a:endParaRPr kumimoji="1" lang="zh-CN" altLang="en-US"/>
           </a:p>
@@ -2535,6 +2503,7 @@
           <a:p>
             <a:fld id="{0E00DDE1-2C70-D44F-8677-F4A7388D2818}" type="slidenum">
               <a:rPr kumimoji="1" lang="zh-CN" altLang="en-US" smtClean="0"/>
+              <a:t>‹#›</a:t>
             </a:fld>
             <a:endParaRPr kumimoji="1" lang="zh-CN" altLang="en-US"/>
           </a:p>
@@ -2593,7 +2562,6 @@
               <a:rPr kumimoji="1" lang="zh-CN" altLang="en-US"/>
               <a:t>单击此处编辑母版标题样式</a:t>
             </a:r>
-            <a:endParaRPr kumimoji="1" lang="zh-CN" altLang="en-US"/>
           </a:p>
         </p:txBody>
       </p:sp>
@@ -2720,7 +2688,6 @@
               <a:rPr kumimoji="1" lang="zh-CN" altLang="en-US"/>
               <a:t>单击此处编辑母版文本样式</a:t>
             </a:r>
-            <a:endParaRPr kumimoji="1" lang="zh-CN" altLang="en-US"/>
           </a:p>
         </p:txBody>
       </p:sp>
@@ -2741,6 +2708,7 @@
           <a:p>
             <a:fld id="{B8C17918-3A8B-164F-B62C-07D5B113208C}" type="datetimeFigureOut">
               <a:rPr kumimoji="1" lang="zh-CN" altLang="en-US" smtClean="0"/>
+              <a:t>2025/6/13</a:t>
             </a:fld>
             <a:endParaRPr kumimoji="1" lang="zh-CN" altLang="en-US"/>
           </a:p>
@@ -2782,6 +2750,7 @@
           <a:p>
             <a:fld id="{0E00DDE1-2C70-D44F-8677-F4A7388D2818}" type="slidenum">
               <a:rPr kumimoji="1" lang="zh-CN" altLang="en-US" smtClean="0"/>
+              <a:t>‹#›</a:t>
             </a:fld>
             <a:endParaRPr kumimoji="1" lang="zh-CN" altLang="en-US"/>
           </a:p>
@@ -2846,7 +2815,6 @@
               <a:rPr kumimoji="1" lang="zh-CN" altLang="en-US"/>
               <a:t>单击此处编辑母版标题样式</a:t>
             </a:r>
-            <a:endParaRPr kumimoji="1" lang="zh-CN" altLang="en-US"/>
           </a:p>
         </p:txBody>
       </p:sp>
@@ -2880,7 +2848,6 @@
               <a:rPr kumimoji="1" lang="zh-CN" altLang="en-US"/>
               <a:t>单击此处编辑母版文本样式</a:t>
             </a:r>
-            <a:endParaRPr kumimoji="1" lang="zh-CN" altLang="en-US"/>
           </a:p>
           <a:p>
             <a:pPr lvl="1"/>
@@ -2888,7 +2855,6 @@
               <a:rPr kumimoji="1" lang="zh-CN" altLang="en-US"/>
               <a:t>二级</a:t>
             </a:r>
-            <a:endParaRPr kumimoji="1" lang="zh-CN" altLang="en-US"/>
           </a:p>
           <a:p>
             <a:pPr lvl="2"/>
@@ -2896,7 +2862,6 @@
               <a:rPr kumimoji="1" lang="zh-CN" altLang="en-US"/>
               <a:t>三级</a:t>
             </a:r>
-            <a:endParaRPr kumimoji="1" lang="zh-CN" altLang="en-US"/>
           </a:p>
           <a:p>
             <a:pPr lvl="3"/>
@@ -2904,7 +2869,6 @@
               <a:rPr kumimoji="1" lang="zh-CN" altLang="en-US"/>
               <a:t>四级</a:t>
             </a:r>
-            <a:endParaRPr kumimoji="1" lang="zh-CN" altLang="en-US"/>
           </a:p>
           <a:p>
             <a:pPr lvl="4"/>
@@ -2912,7 +2876,6 @@
               <a:rPr kumimoji="1" lang="zh-CN" altLang="en-US"/>
               <a:t>五级</a:t>
             </a:r>
-            <a:endParaRPr kumimoji="1" lang="zh-CN" altLang="en-US"/>
           </a:p>
         </p:txBody>
       </p:sp>
@@ -2951,6 +2914,7 @@
           <a:p>
             <a:fld id="{B8C17918-3A8B-164F-B62C-07D5B113208C}" type="datetimeFigureOut">
               <a:rPr kumimoji="1" lang="zh-CN" altLang="en-US" smtClean="0"/>
+              <a:t>2025/6/13</a:t>
             </a:fld>
             <a:endParaRPr kumimoji="1" lang="zh-CN" altLang="en-US"/>
           </a:p>
@@ -3028,6 +2992,7 @@
           <a:p>
             <a:fld id="{0E00DDE1-2C70-D44F-8677-F4A7388D2818}" type="slidenum">
               <a:rPr kumimoji="1" lang="zh-CN" altLang="en-US" smtClean="0"/>
+              <a:t>‹#›</a:t>
             </a:fld>
             <a:endParaRPr kumimoji="1" lang="zh-CN" altLang="en-US"/>
           </a:p>
@@ -3357,8 +3322,8 @@
         </p:nvSpPr>
         <p:spPr>
           <a:xfrm>
-            <a:off x="395689" y="99151"/>
-            <a:ext cx="11400622" cy="400110"/>
+            <a:off x="197385" y="103261"/>
+            <a:ext cx="11797230" cy="430887"/>
           </a:xfrm>
           <a:prstGeom prst="rect">
             <a:avLst/>
@@ -3373,26 +3338,26 @@
           <a:p>
             <a:pPr algn="ctr"/>
             <a:r>
-              <a:rPr lang="en-GB" altLang="zh-CN" sz="2000" b="1" dirty="0"/>
+              <a:rPr lang="en-GB" altLang="zh-CN" sz="2200" b="1" dirty="0"/>
               <a:t>Behavior Prediction from Everyday Sounds via LLMs</a:t>
             </a:r>
             <a:r>
-              <a:rPr lang="zh-CN" altLang="en-US" sz="2000" b="1" dirty="0"/>
+              <a:rPr lang="zh-CN" altLang="en-US" sz="2200" b="1" dirty="0"/>
               <a:t> </a:t>
             </a:r>
             <a:r>
-              <a:rPr lang="en-GB" altLang="zh-CN" sz="2000" b="1" dirty="0"/>
+              <a:rPr lang="en-GB" altLang="zh-CN" sz="2200" b="1" dirty="0"/>
               <a:t>with Multi</a:t>
             </a:r>
             <a:r>
-              <a:rPr lang="en-US" altLang="zh-CN" sz="2000" b="1" dirty="0"/>
+              <a:rPr lang="en-US" altLang="zh-CN" sz="2200" b="1" dirty="0"/>
               <a:t>-</a:t>
             </a:r>
             <a:r>
-              <a:rPr lang="en-GB" altLang="zh-CN" sz="2000" b="1" dirty="0"/>
-              <a:t>sensor Context and User Priors</a:t>
-            </a:r>
-            <a:endParaRPr kumimoji="1" lang="zh-CN" altLang="en-US" sz="2000" b="1" dirty="0"/>
+              <a:rPr lang="en-GB" altLang="zh-CN" sz="2200" b="1" dirty="0"/>
+              <a:t>sensor Context and Priors</a:t>
+            </a:r>
+            <a:endParaRPr kumimoji="1" lang="zh-CN" altLang="en-US" sz="2200" b="1" dirty="0"/>
           </a:p>
         </p:txBody>
       </p:sp>
@@ -3404,8 +3369,8 @@
         </p:nvSpPr>
         <p:spPr>
           <a:xfrm>
-            <a:off x="197385" y="499261"/>
-            <a:ext cx="6566972" cy="3293209"/>
+            <a:off x="197385" y="551513"/>
+            <a:ext cx="6566972" cy="3354765"/>
           </a:xfrm>
           <a:prstGeom prst="rect">
             <a:avLst/>
@@ -3419,16 +3384,12 @@
           <a:lstStyle/>
           <a:p>
             <a:r>
-              <a:rPr kumimoji="1" lang="en-US" altLang="zh-CN" sz="1600" b="1" dirty="0">
+              <a:rPr kumimoji="1" lang="en-US" altLang="zh-CN" sz="2000" b="1" dirty="0">
                 <a:latin typeface="Arial" panose="020B0704020202020204" pitchFamily="34" charset="0"/>
                 <a:cs typeface="Arial" panose="020B0704020202020204" pitchFamily="34" charset="0"/>
               </a:rPr>
               <a:t>Intro: </a:t>
             </a:r>
-            <a:endParaRPr kumimoji="1" lang="en-US" altLang="zh-CN" sz="1600" b="1" dirty="0">
-              <a:latin typeface="Arial" panose="020B0704020202020204" pitchFamily="34" charset="0"/>
-              <a:cs typeface="Arial" panose="020B0704020202020204" pitchFamily="34" charset="0"/>
-            </a:endParaRPr>
           </a:p>
           <a:p>
             <a:r>
@@ -3459,10 +3420,6 @@
               </a:rPr>
               <a:t>prior knowledge, people can imagine what’s happening just by sounds.</a:t>
             </a:r>
-            <a:endParaRPr lang="en-GB" altLang="zh-CN" sz="1600" dirty="0">
-              <a:latin typeface="Arial" panose="020B0704020202020204" pitchFamily="34" charset="0"/>
-              <a:cs typeface="Arial" panose="020B0704020202020204" pitchFamily="34" charset="0"/>
-            </a:endParaRPr>
           </a:p>
           <a:p>
             <a:r>
@@ -3500,10 +3457,6 @@
               </a:rPr>
               <a:t>Sensor readings help infer context such as location and activity, which, combined with user habits, form auxiliary knowledge. This knowledge, along with raw audio, is fed into a multimodal large model to predict the user's current behavior and state.</a:t>
             </a:r>
-            <a:endParaRPr lang="en-GB" altLang="zh-CN" sz="1600" dirty="0">
-              <a:latin typeface="Arial" panose="020B0704020202020204" pitchFamily="34" charset="0"/>
-              <a:cs typeface="Arial" panose="020B0704020202020204" pitchFamily="34" charset="0"/>
-            </a:endParaRPr>
           </a:p>
           <a:p>
             <a:r>
@@ -3513,10 +3466,6 @@
               </a:rPr>
               <a:t>With continuous recordings, we can analyze users’ daily routines and provide detailed daily activity lists and behavior reports for self-reflection and understanding.</a:t>
             </a:r>
-            <a:endParaRPr lang="en-GB" altLang="zh-CN" sz="1600" dirty="0">
-              <a:latin typeface="Arial" panose="020B0704020202020204" pitchFamily="34" charset="0"/>
-              <a:cs typeface="Arial" panose="020B0704020202020204" pitchFamily="34" charset="0"/>
-            </a:endParaRPr>
           </a:p>
         </p:txBody>
       </p:sp>
@@ -3529,7 +3478,7 @@
         <p:spPr>
           <a:xfrm>
             <a:off x="6764357" y="2299754"/>
-            <a:ext cx="5367812" cy="3785652"/>
+            <a:ext cx="5367812" cy="3847207"/>
           </a:xfrm>
           <a:prstGeom prst="rect">
             <a:avLst/>
@@ -3543,16 +3492,12 @@
           <a:lstStyle/>
           <a:p>
             <a:r>
-              <a:rPr kumimoji="1" lang="en-US" altLang="zh-CN" sz="1600" b="1" dirty="0">
+              <a:rPr kumimoji="1" lang="en-US" altLang="zh-CN" sz="2000" b="1" dirty="0">
                 <a:latin typeface="Arial" panose="020B0704020202020204" pitchFamily="34" charset="0"/>
                 <a:cs typeface="Arial" panose="020B0704020202020204" pitchFamily="34" charset="0"/>
               </a:rPr>
               <a:t>Dataset: </a:t>
             </a:r>
-            <a:endParaRPr kumimoji="1" lang="en-US" altLang="zh-CN" sz="1600" b="1" dirty="0">
-              <a:latin typeface="Arial" panose="020B0704020202020204" pitchFamily="34" charset="0"/>
-              <a:cs typeface="Arial" panose="020B0704020202020204" pitchFamily="34" charset="0"/>
-            </a:endParaRPr>
           </a:p>
           <a:p>
             <a:r>
@@ -3597,10 +3542,6 @@
               </a:rPr>
               <a:t>consisting of:</a:t>
             </a:r>
-            <a:endParaRPr lang="en-GB" altLang="zh-CN" sz="1600" dirty="0">
-              <a:latin typeface="Arial" panose="020B0704020202020204" pitchFamily="34" charset="0"/>
-              <a:cs typeface="Arial" panose="020B0704020202020204" pitchFamily="34" charset="0"/>
-            </a:endParaRPr>
           </a:p>
           <a:p>
             <a:pPr marL="285750" indent="-285750">
@@ -3614,10 +3555,6 @@
               </a:rPr>
               <a:t>User Questionnaire: Gathers basic demographics and routine behaviors as prior knowledge.</a:t>
             </a:r>
-            <a:endParaRPr lang="en-GB" altLang="zh-CN" sz="1600" dirty="0">
-              <a:latin typeface="Arial" panose="020B0704020202020204" pitchFamily="34" charset="0"/>
-              <a:cs typeface="Arial" panose="020B0704020202020204" pitchFamily="34" charset="0"/>
-            </a:endParaRPr>
           </a:p>
           <a:p>
             <a:pPr marL="285750" indent="-285750">
@@ -3631,10 +3568,6 @@
               </a:rPr>
               <a:t>IMU Data: Captures motion signals to identify specific limb movements.</a:t>
             </a:r>
-            <a:endParaRPr lang="en-GB" altLang="zh-CN" sz="1600" dirty="0">
-              <a:latin typeface="Arial" panose="020B0704020202020204" pitchFamily="34" charset="0"/>
-              <a:cs typeface="Arial" panose="020B0704020202020204" pitchFamily="34" charset="0"/>
-            </a:endParaRPr>
           </a:p>
           <a:p>
             <a:pPr marL="285750" indent="-285750">
@@ -3648,10 +3581,6 @@
               </a:rPr>
               <a:t>GPS Location: Provides spatial data to infer environment and mobility states (e.g., walking, running, commuting).</a:t>
             </a:r>
-            <a:endParaRPr lang="en-GB" altLang="zh-CN" sz="1600" dirty="0">
-              <a:latin typeface="Arial" panose="020B0704020202020204" pitchFamily="34" charset="0"/>
-              <a:cs typeface="Arial" panose="020B0704020202020204" pitchFamily="34" charset="0"/>
-            </a:endParaRPr>
           </a:p>
           <a:p>
             <a:pPr marL="285750" indent="-285750">
@@ -3665,10 +3594,6 @@
               </a:rPr>
               <a:t>Heart Rate: Records physiological responses to assist in activity classification.</a:t>
             </a:r>
-            <a:endParaRPr lang="en-GB" altLang="zh-CN" sz="1600" dirty="0">
-              <a:latin typeface="Arial" panose="020B0704020202020204" pitchFamily="34" charset="0"/>
-              <a:cs typeface="Arial" panose="020B0704020202020204" pitchFamily="34" charset="0"/>
-            </a:endParaRPr>
           </a:p>
           <a:p>
             <a:pPr marL="285750" indent="-285750">
@@ -3682,106 +3607,6 @@
               </a:rPr>
               <a:t>Raw Audio: Continuously records sound for behavioral inference by the model.</a:t>
             </a:r>
-            <a:endParaRPr lang="en-GB" altLang="zh-CN" sz="1600" dirty="0">
-              <a:latin typeface="Arial" panose="020B0704020202020204" pitchFamily="34" charset="0"/>
-              <a:cs typeface="Arial" panose="020B0704020202020204" pitchFamily="34" charset="0"/>
-            </a:endParaRPr>
-          </a:p>
-        </p:txBody>
-      </p:sp>
-      <p:pic>
-        <p:nvPicPr>
-          <p:cNvPr id="5" name="图片 4"/>
-          <p:cNvPicPr>
-            <a:picLocks noChangeAspect="1"/>
-          </p:cNvPicPr>
-          <p:nvPr/>
-        </p:nvPicPr>
-        <p:blipFill rotWithShape="1">
-          <a:blip r:embed="rId1"/>
-          <a:srcRect t="50000" b="6855"/>
-          <a:stretch>
-            <a:fillRect/>
-          </a:stretch>
-        </p:blipFill>
-        <p:spPr>
-          <a:xfrm>
-            <a:off x="6989275" y="518705"/>
-            <a:ext cx="3353902" cy="1898657"/>
-          </a:xfrm>
-          <a:prstGeom prst="rect">
-            <a:avLst/>
-          </a:prstGeom>
-        </p:spPr>
-      </p:pic>
-      <p:pic>
-        <p:nvPicPr>
-          <p:cNvPr id="7" name="图片 6"/>
-          <p:cNvPicPr>
-            <a:picLocks noChangeAspect="1"/>
-          </p:cNvPicPr>
-          <p:nvPr/>
-        </p:nvPicPr>
-        <p:blipFill rotWithShape="1">
-          <a:blip r:embed="rId1"/>
-          <a:srcRect b="55314"/>
-          <a:stretch>
-            <a:fillRect/>
-          </a:stretch>
-        </p:blipFill>
-        <p:spPr>
-          <a:xfrm>
-            <a:off x="951183" y="3792470"/>
-            <a:ext cx="5059376" cy="2966379"/>
-          </a:xfrm>
-          <a:prstGeom prst="rect">
-            <a:avLst/>
-          </a:prstGeom>
-        </p:spPr>
-      </p:pic>
-      <p:sp>
-        <p:nvSpPr>
-          <p:cNvPr id="9" name="文本框 8"/>
-          <p:cNvSpPr txBox="1"/>
-          <p:nvPr/>
-        </p:nvSpPr>
-        <p:spPr>
-          <a:xfrm>
-            <a:off x="6918574" y="6261594"/>
-            <a:ext cx="5059377" cy="369332"/>
-          </a:xfrm>
-          <a:prstGeom prst="rect">
-            <a:avLst/>
-          </a:prstGeom>
-          <a:solidFill>
-            <a:schemeClr val="accent2"/>
-          </a:solidFill>
-          <a:ln>
-            <a:solidFill>
-              <a:schemeClr val="accent1"/>
-            </a:solidFill>
-          </a:ln>
-        </p:spPr>
-        <p:txBody>
-          <a:bodyPr wrap="square" rtlCol="0">
-            <a:spAutoFit/>
-          </a:bodyPr>
-          <a:lstStyle/>
-          <a:p>
-            <a:pPr algn="ctr"/>
-            <a:r>
-              <a:rPr kumimoji="1" lang="en-US" altLang="zh-CN" b="1" dirty="0">
-                <a:solidFill>
-                  <a:schemeClr val="bg1"/>
-                </a:solidFill>
-              </a:rPr>
-              <a:t>AUTHOR AND TSINGHUA</a:t>
-            </a:r>
-            <a:endParaRPr kumimoji="1" lang="zh-CN" altLang="en-US" b="1" dirty="0">
-              <a:solidFill>
-                <a:schemeClr val="bg1"/>
-              </a:solidFill>
-            </a:endParaRPr>
           </a:p>
         </p:txBody>
       </p:sp>
@@ -3793,23 +3618,21 @@
           </p:cNvPicPr>
           <p:nvPr/>
         </p:nvPicPr>
-        <p:blipFill>
-          <a:blip r:embed="rId2">
+        <p:blipFill rotWithShape="1">
+          <a:blip r:embed="rId3">
             <a:extLst>
               <a:ext uri="{28A0092B-C50C-407E-A947-70E740481C1C}">
                 <a14:useLocalDpi xmlns:a14="http://schemas.microsoft.com/office/drawing/2010/main" val="0"/>
               </a:ext>
             </a:extLst>
           </a:blip>
-          <a:srcRect/>
-          <a:stretch>
-            <a:fillRect/>
-          </a:stretch>
+          <a:srcRect t="1" b="1461"/>
+          <a:stretch/>
         </p:blipFill>
         <p:spPr bwMode="auto">
           <a:xfrm>
-            <a:off x="10568095" y="494959"/>
-            <a:ext cx="1056681" cy="1937547"/>
+            <a:off x="10662547" y="686042"/>
+            <a:ext cx="989522" cy="1787892"/>
           </a:xfrm>
           <a:prstGeom prst="rect">
             <a:avLst/>
@@ -3826,6 +3649,208 @@
           </a:extLst>
         </p:spPr>
       </p:pic>
+      <p:pic>
+        <p:nvPicPr>
+          <p:cNvPr id="45" name="图片 44">
+            <a:extLst>
+              <a:ext uri="{FF2B5EF4-FFF2-40B4-BE49-F238E27FC236}">
+                <a16:creationId xmlns:a16="http://schemas.microsoft.com/office/drawing/2014/main" id="{E8AEE420-A3A3-C67A-668D-2F9559ABECCA}"/>
+              </a:ext>
+            </a:extLst>
+          </p:cNvPr>
+          <p:cNvPicPr>
+            <a:picLocks noChangeAspect="1"/>
+          </p:cNvPicPr>
+          <p:nvPr/>
+        </p:nvPicPr>
+        <p:blipFill rotWithShape="1">
+          <a:blip r:embed="rId4"/>
+          <a:srcRect t="4312"/>
+          <a:stretch/>
+        </p:blipFill>
+        <p:spPr>
+          <a:xfrm>
+            <a:off x="395689" y="3948980"/>
+            <a:ext cx="6028523" cy="2721135"/>
+          </a:xfrm>
+          <a:prstGeom prst="rect">
+            <a:avLst/>
+          </a:prstGeom>
+        </p:spPr>
+      </p:pic>
+      <p:pic>
+        <p:nvPicPr>
+          <p:cNvPr id="47" name="图片 46">
+            <a:extLst>
+              <a:ext uri="{FF2B5EF4-FFF2-40B4-BE49-F238E27FC236}">
+                <a16:creationId xmlns:a16="http://schemas.microsoft.com/office/drawing/2014/main" id="{42523778-660F-4174-7FCA-A19D5F4F3C18}"/>
+              </a:ext>
+            </a:extLst>
+          </p:cNvPr>
+          <p:cNvPicPr>
+            <a:picLocks noChangeAspect="1"/>
+          </p:cNvPicPr>
+          <p:nvPr/>
+        </p:nvPicPr>
+        <p:blipFill>
+          <a:blip r:embed="rId5"/>
+          <a:stretch>
+            <a:fillRect/>
+          </a:stretch>
+        </p:blipFill>
+        <p:spPr>
+          <a:xfrm>
+            <a:off x="6841465" y="573337"/>
+            <a:ext cx="3649521" cy="1833907"/>
+          </a:xfrm>
+          <a:prstGeom prst="rect">
+            <a:avLst/>
+          </a:prstGeom>
+        </p:spPr>
+      </p:pic>
+      <p:pic>
+        <p:nvPicPr>
+          <p:cNvPr id="49" name="图片 48" descr="EDE2CD6FC2310945BA206EC8242_9AA2B06D_18167">
+            <a:extLst>
+              <a:ext uri="{FF2B5EF4-FFF2-40B4-BE49-F238E27FC236}">
+                <a16:creationId xmlns:a16="http://schemas.microsoft.com/office/drawing/2014/main" id="{57C0D56C-6AB3-B868-E91A-659B59066DA7}"/>
+              </a:ext>
+            </a:extLst>
+          </p:cNvPr>
+          <p:cNvPicPr>
+            <a:picLocks noChangeAspect="1"/>
+          </p:cNvPicPr>
+          <p:nvPr/>
+        </p:nvPicPr>
+        <p:blipFill>
+          <a:blip r:embed="rId6"/>
+          <a:srcRect l="9184" t="12939" r="10250" b="16452"/>
+          <a:stretch>
+            <a:fillRect/>
+          </a:stretch>
+        </p:blipFill>
+        <p:spPr>
+          <a:xfrm>
+            <a:off x="10215154" y="5976739"/>
+            <a:ext cx="1917015" cy="720554"/>
+          </a:xfrm>
+          <a:prstGeom prst="rect">
+            <a:avLst/>
+          </a:prstGeom>
+        </p:spPr>
+      </p:pic>
+      <p:sp>
+        <p:nvSpPr>
+          <p:cNvPr id="51" name="文本框 50">
+            <a:extLst>
+              <a:ext uri="{FF2B5EF4-FFF2-40B4-BE49-F238E27FC236}">
+                <a16:creationId xmlns:a16="http://schemas.microsoft.com/office/drawing/2014/main" id="{3A8E5B49-E032-DCBF-E742-573E4873BBB9}"/>
+              </a:ext>
+            </a:extLst>
+          </p:cNvPr>
+          <p:cNvSpPr txBox="1"/>
+          <p:nvPr/>
+        </p:nvSpPr>
+        <p:spPr>
+          <a:xfrm>
+            <a:off x="6764357" y="6112518"/>
+            <a:ext cx="3726629" cy="584775"/>
+          </a:xfrm>
+          <a:prstGeom prst="rect">
+            <a:avLst/>
+          </a:prstGeom>
+          <a:noFill/>
+        </p:spPr>
+        <p:txBody>
+          <a:bodyPr wrap="square">
+            <a:spAutoFit/>
+          </a:bodyPr>
+          <a:lstStyle/>
+          <a:p>
+            <a:r>
+              <a:rPr kumimoji="1" lang="en-US" altLang="zh-CN" sz="1600" b="1" dirty="0">
+                <a:latin typeface="Arial" panose="020B0604020202020204" pitchFamily="34" charset="0"/>
+                <a:cs typeface="Arial" panose="020B0604020202020204" pitchFamily="34" charset="0"/>
+              </a:rPr>
+              <a:t>Author:</a:t>
+            </a:r>
+            <a:r>
+              <a:rPr kumimoji="1" lang="zh-CN" altLang="en-US" sz="1600" b="1" dirty="0">
+                <a:latin typeface="Arial" panose="020B0604020202020204" pitchFamily="34" charset="0"/>
+                <a:cs typeface="Arial" panose="020B0604020202020204" pitchFamily="34" charset="0"/>
+              </a:rPr>
+              <a:t> </a:t>
+            </a:r>
+            <a:r>
+              <a:rPr kumimoji="1" lang="en-US" altLang="zh-CN" sz="1600" dirty="0">
+                <a:latin typeface="Arial" panose="020B0604020202020204" pitchFamily="34" charset="0"/>
+                <a:cs typeface="Arial" panose="020B0604020202020204" pitchFamily="34" charset="0"/>
+              </a:rPr>
+              <a:t>Xingjian Tian, </a:t>
+            </a:r>
+            <a:r>
+              <a:rPr kumimoji="1" lang="en-US" altLang="zh-CN" sz="1600" dirty="0" err="1">
+                <a:latin typeface="Arial" panose="020B0604020202020204" pitchFamily="34" charset="0"/>
+                <a:cs typeface="Arial" panose="020B0604020202020204" pitchFamily="34" charset="0"/>
+              </a:rPr>
+              <a:t>Fangfei</a:t>
+            </a:r>
+            <a:r>
+              <a:rPr kumimoji="1" lang="en-US" altLang="zh-CN" sz="1600" dirty="0">
+                <a:latin typeface="Arial" panose="020B0604020202020204" pitchFamily="34" charset="0"/>
+                <a:cs typeface="Arial" panose="020B0604020202020204" pitchFamily="34" charset="0"/>
+              </a:rPr>
+              <a:t> Gou, </a:t>
+            </a:r>
+            <a:r>
+              <a:rPr kumimoji="1" lang="en-US" altLang="zh-CN" sz="1600" b="1" dirty="0">
+                <a:latin typeface="Arial" panose="020B0604020202020204" pitchFamily="34" charset="0"/>
+                <a:cs typeface="Arial" panose="020B0604020202020204" pitchFamily="34" charset="0"/>
+              </a:rPr>
+              <a:t> </a:t>
+            </a:r>
+            <a:r>
+              <a:rPr kumimoji="1" lang="en-US" altLang="zh-CN" sz="1600" dirty="0">
+                <a:latin typeface="Arial" panose="020B0604020202020204" pitchFamily="34" charset="0"/>
+                <a:cs typeface="Arial" panose="020B0604020202020204" pitchFamily="34" charset="0"/>
+              </a:rPr>
+              <a:t>Xin Tang, </a:t>
+            </a:r>
+            <a:r>
+              <a:rPr kumimoji="1" lang="en-US" altLang="zh-CN" sz="1600" dirty="0" err="1">
+                <a:latin typeface="Arial" panose="020B0604020202020204" pitchFamily="34" charset="0"/>
+                <a:cs typeface="Arial" panose="020B0604020202020204" pitchFamily="34" charset="0"/>
+              </a:rPr>
+              <a:t>Zeyu</a:t>
+            </a:r>
+            <a:r>
+              <a:rPr kumimoji="1" lang="en-US" altLang="zh-CN" sz="1600" dirty="0">
+                <a:latin typeface="Arial" panose="020B0604020202020204" pitchFamily="34" charset="0"/>
+                <a:cs typeface="Arial" panose="020B0604020202020204" pitchFamily="34" charset="0"/>
+              </a:rPr>
+              <a:t> Wang, </a:t>
+            </a:r>
+            <a:r>
+              <a:rPr kumimoji="1" lang="en-US" altLang="zh-CN" sz="1600" dirty="0" err="1">
+                <a:latin typeface="Arial" panose="020B0604020202020204" pitchFamily="34" charset="0"/>
+                <a:cs typeface="Arial" panose="020B0604020202020204" pitchFamily="34" charset="0"/>
+              </a:rPr>
+              <a:t>Yingke</a:t>
+            </a:r>
+            <a:r>
+              <a:rPr kumimoji="1" lang="en-US" altLang="zh-CN" sz="1600" dirty="0">
+                <a:latin typeface="Arial" panose="020B0604020202020204" pitchFamily="34" charset="0"/>
+                <a:cs typeface="Arial" panose="020B0604020202020204" pitchFamily="34" charset="0"/>
+              </a:rPr>
+              <a:t> Ding</a:t>
+            </a:r>
+            <a:endParaRPr kumimoji="1" lang="en-US" altLang="zh-CN" sz="1600" b="1" dirty="0">
+              <a:latin typeface="Arial" panose="020B0604020202020204" pitchFamily="34" charset="0"/>
+              <a:cs typeface="Arial" panose="020B0604020202020204" pitchFamily="34" charset="0"/>
+            </a:endParaRPr>
+          </a:p>
+        </p:txBody>
+      </p:sp>
     </p:spTree>
   </p:cSld>
   <p:clrMapOvr>
@@ -4085,6 +4110,8 @@
       </a:bgFillStyleLst>
     </a:fmtScheme>
   </a:themeElements>
+  <a:objectDefaults/>
+  <a:extraClrSchemeLst/>
   <a:extLst>
     <a:ext uri="{05A4C25C-085E-4340-85A3-A5531E510DB2}">
       <thm15:themeFamily xmlns:thm15="http://schemas.microsoft.com/office/thememl/2012/main" name="Office Theme" id="{62F939B6-93AF-4DB8-9C6B-D6C7DFDC589F}" vid="{4A3C46E8-61CC-4603-A589-7422A47A8E4A}"/>
@@ -4344,6 +4371,8 @@
       </a:bgFillStyleLst>
     </a:fmtScheme>
   </a:themeElements>
+  <a:objectDefaults/>
+  <a:extraClrSchemeLst/>
   <a:extLst>
     <a:ext uri="{05A4C25C-085E-4340-85A3-A5531E510DB2}">
       <thm15:themeFamily xmlns:thm15="http://schemas.microsoft.com/office/thememl/2012/main" name="Office Theme" id="{62F939B6-93AF-4DB8-9C6B-D6C7DFDC589F}" vid="{4A3C46E8-61CC-4603-A589-7422A47A8E4A}"/>

--- a/idea poster.pptx
+++ b/idea poster.pptx
@@ -2,7 +2,7 @@
 <file path=ppt/presentation.xml><?xml version="1.0" encoding="utf-8"?>
 <p:presentation xmlns:a="http://schemas.openxmlformats.org/drawingml/2006/main" xmlns:r="http://schemas.openxmlformats.org/officeDocument/2006/relationships" xmlns:p="http://schemas.openxmlformats.org/presentationml/2006/main" autoCompressPictures="0">
   <p:sldMasterIdLst>
-    <p:sldMasterId id="2147483648" r:id="rId1"/>
+    <p:sldMasterId id="2147483660" r:id="rId1"/>
   </p:sldMasterIdLst>
   <p:notesMasterIdLst>
     <p:notesMasterId r:id="rId3"/>
@@ -10,13 +10,13 @@
   <p:sldIdLst>
     <p:sldId id="258" r:id="rId2"/>
   </p:sldIdLst>
-  <p:sldSz cx="12192000" cy="6858000"/>
+  <p:sldSz cx="9906000" cy="6858000" type="A4"/>
   <p:notesSz cx="6858000" cy="9144000"/>
   <p:defaultTextStyle>
     <a:defPPr>
-      <a:defRPr lang="zh-CN"/>
+      <a:defRPr lang="en-US"/>
     </a:defPPr>
-    <a:lvl1pPr marL="0" algn="l" defTabSz="914400" rtl="0" eaLnBrk="1" latinLnBrk="0" hangingPunct="1">
+    <a:lvl1pPr marL="0" algn="l" defTabSz="457200" rtl="0" eaLnBrk="1" latinLnBrk="0" hangingPunct="1">
       <a:defRPr sz="1800" kern="1200">
         <a:solidFill>
           <a:schemeClr val="tx1"/>
@@ -26,7 +26,7 @@
         <a:cs typeface="+mn-cs"/>
       </a:defRPr>
     </a:lvl1pPr>
-    <a:lvl2pPr marL="457200" algn="l" defTabSz="914400" rtl="0" eaLnBrk="1" latinLnBrk="0" hangingPunct="1">
+    <a:lvl2pPr marL="457200" algn="l" defTabSz="457200" rtl="0" eaLnBrk="1" latinLnBrk="0" hangingPunct="1">
       <a:defRPr sz="1800" kern="1200">
         <a:solidFill>
           <a:schemeClr val="tx1"/>
@@ -36,7 +36,7 @@
         <a:cs typeface="+mn-cs"/>
       </a:defRPr>
     </a:lvl2pPr>
-    <a:lvl3pPr marL="914400" algn="l" defTabSz="914400" rtl="0" eaLnBrk="1" latinLnBrk="0" hangingPunct="1">
+    <a:lvl3pPr marL="914400" algn="l" defTabSz="457200" rtl="0" eaLnBrk="1" latinLnBrk="0" hangingPunct="1">
       <a:defRPr sz="1800" kern="1200">
         <a:solidFill>
           <a:schemeClr val="tx1"/>
@@ -46,7 +46,7 @@
         <a:cs typeface="+mn-cs"/>
       </a:defRPr>
     </a:lvl3pPr>
-    <a:lvl4pPr marL="1371600" algn="l" defTabSz="914400" rtl="0" eaLnBrk="1" latinLnBrk="0" hangingPunct="1">
+    <a:lvl4pPr marL="1371600" algn="l" defTabSz="457200" rtl="0" eaLnBrk="1" latinLnBrk="0" hangingPunct="1">
       <a:defRPr sz="1800" kern="1200">
         <a:solidFill>
           <a:schemeClr val="tx1"/>
@@ -56,7 +56,7 @@
         <a:cs typeface="+mn-cs"/>
       </a:defRPr>
     </a:lvl4pPr>
-    <a:lvl5pPr marL="1828800" algn="l" defTabSz="914400" rtl="0" eaLnBrk="1" latinLnBrk="0" hangingPunct="1">
+    <a:lvl5pPr marL="1828800" algn="l" defTabSz="457200" rtl="0" eaLnBrk="1" latinLnBrk="0" hangingPunct="1">
       <a:defRPr sz="1800" kern="1200">
         <a:solidFill>
           <a:schemeClr val="tx1"/>
@@ -66,7 +66,7 @@
         <a:cs typeface="+mn-cs"/>
       </a:defRPr>
     </a:lvl5pPr>
-    <a:lvl6pPr marL="2286000" algn="l" defTabSz="914400" rtl="0" eaLnBrk="1" latinLnBrk="0" hangingPunct="1">
+    <a:lvl6pPr marL="2286000" algn="l" defTabSz="457200" rtl="0" eaLnBrk="1" latinLnBrk="0" hangingPunct="1">
       <a:defRPr sz="1800" kern="1200">
         <a:solidFill>
           <a:schemeClr val="tx1"/>
@@ -76,7 +76,7 @@
         <a:cs typeface="+mn-cs"/>
       </a:defRPr>
     </a:lvl6pPr>
-    <a:lvl7pPr marL="2743200" algn="l" defTabSz="914400" rtl="0" eaLnBrk="1" latinLnBrk="0" hangingPunct="1">
+    <a:lvl7pPr marL="2743200" algn="l" defTabSz="457200" rtl="0" eaLnBrk="1" latinLnBrk="0" hangingPunct="1">
       <a:defRPr sz="1800" kern="1200">
         <a:solidFill>
           <a:schemeClr val="tx1"/>
@@ -86,7 +86,7 @@
         <a:cs typeface="+mn-cs"/>
       </a:defRPr>
     </a:lvl7pPr>
-    <a:lvl8pPr marL="3200400" algn="l" defTabSz="914400" rtl="0" eaLnBrk="1" latinLnBrk="0" hangingPunct="1">
+    <a:lvl8pPr marL="3200400" algn="l" defTabSz="457200" rtl="0" eaLnBrk="1" latinLnBrk="0" hangingPunct="1">
       <a:defRPr sz="1800" kern="1200">
         <a:solidFill>
           <a:schemeClr val="tx1"/>
@@ -96,7 +96,7 @@
         <a:cs typeface="+mn-cs"/>
       </a:defRPr>
     </a:lvl8pPr>
-    <a:lvl9pPr marL="3657600" algn="l" defTabSz="914400" rtl="0" eaLnBrk="1" latinLnBrk="0" hangingPunct="1">
+    <a:lvl9pPr marL="3657600" algn="l" defTabSz="457200" rtl="0" eaLnBrk="1" latinLnBrk="0" hangingPunct="1">
       <a:defRPr sz="1800" kern="1200">
         <a:solidFill>
           <a:schemeClr val="tx1"/>
@@ -197,7 +197,7 @@
           <a:p>
             <a:fld id="{99914300-88F6-7848-8AE0-FCF70DE44CB4}" type="datetimeFigureOut">
               <a:rPr kumimoji="1" lang="zh-CN" altLang="en-US" smtClean="0"/>
-              <a:t>2025/6/13</a:t>
+              <a:t>2025/6/15</a:t>
             </a:fld>
             <a:endParaRPr kumimoji="1" lang="zh-CN" altLang="en-US"/>
           </a:p>
@@ -215,8 +215,8 @@
         </p:nvSpPr>
         <p:spPr>
           <a:xfrm>
-            <a:off x="685800" y="1143000"/>
-            <a:ext cx="5486400" cy="3086100"/>
+            <a:off x="1200150" y="1143000"/>
+            <a:ext cx="4457700" cy="3086100"/>
           </a:xfrm>
           <a:prstGeom prst="rect">
             <a:avLst/>
@@ -486,7 +486,12 @@
             <p:ph type="sldImg"/>
           </p:nvPr>
         </p:nvSpPr>
-        <p:spPr/>
+        <p:spPr>
+          <a:xfrm>
+            <a:off x="1200150" y="1143000"/>
+            <a:ext cx="4457700" cy="3086100"/>
+          </a:xfrm>
+        </p:spPr>
       </p:sp>
       <p:sp>
         <p:nvSpPr>
@@ -557,7 +562,7 @@
       </p:grpSpPr>
       <p:sp>
         <p:nvSpPr>
-          <p:cNvPr id="2" name="标题 1"/>
+          <p:cNvPr id="2" name="Title 1"/>
           <p:cNvSpPr>
             <a:spLocks noGrp="1"/>
           </p:cNvSpPr>
@@ -567,8 +572,8 @@
         </p:nvSpPr>
         <p:spPr>
           <a:xfrm>
-            <a:off x="1524000" y="1122363"/>
-            <a:ext cx="9144000" cy="2387600"/>
+            <a:off x="742950" y="1122363"/>
+            <a:ext cx="8420100" cy="2387600"/>
           </a:xfrm>
         </p:spPr>
         <p:txBody>
@@ -580,15 +585,16 @@
           </a:lstStyle>
           <a:p>
             <a:r>
-              <a:rPr kumimoji="1" lang="zh-CN" altLang="en-US"/>
+              <a:rPr lang="zh-CN" altLang="en-US"/>
               <a:t>单击此处编辑母版标题样式</a:t>
             </a:r>
-          </a:p>
-        </p:txBody>
-      </p:sp>
-      <p:sp>
-        <p:nvSpPr>
-          <p:cNvPr id="3" name="副标题 2"/>
+            <a:endParaRPr lang="en-US" dirty="0"/>
+          </a:p>
+        </p:txBody>
+      </p:sp>
+      <p:sp>
+        <p:nvSpPr>
+          <p:cNvPr id="3" name="Subtitle 2"/>
           <p:cNvSpPr>
             <a:spLocks noGrp="1"/>
           </p:cNvSpPr>
@@ -598,8 +604,8 @@
         </p:nvSpPr>
         <p:spPr>
           <a:xfrm>
-            <a:off x="1524000" y="3602038"/>
-            <a:ext cx="9144000" cy="1655762"/>
+            <a:off x="1238250" y="3602038"/>
+            <a:ext cx="7429500" cy="1655762"/>
           </a:xfrm>
         </p:spPr>
         <p:txBody>
@@ -644,15 +650,16 @@
           </a:lstStyle>
           <a:p>
             <a:r>
-              <a:rPr kumimoji="1" lang="zh-CN" altLang="en-US"/>
+              <a:rPr lang="zh-CN" altLang="en-US"/>
               <a:t>单击此处编辑母版副标题样式</a:t>
             </a:r>
-          </a:p>
-        </p:txBody>
-      </p:sp>
-      <p:sp>
-        <p:nvSpPr>
-          <p:cNvPr id="4" name="日期占位符 3"/>
+            <a:endParaRPr lang="en-US" dirty="0"/>
+          </a:p>
+        </p:txBody>
+      </p:sp>
+      <p:sp>
+        <p:nvSpPr>
+          <p:cNvPr id="4" name="Date Placeholder 3"/>
           <p:cNvSpPr>
             <a:spLocks noGrp="1"/>
           </p:cNvSpPr>
@@ -667,7 +674,7 @@
           <a:p>
             <a:fld id="{B8C17918-3A8B-164F-B62C-07D5B113208C}" type="datetimeFigureOut">
               <a:rPr kumimoji="1" lang="zh-CN" altLang="en-US" smtClean="0"/>
-              <a:t>2025/6/13</a:t>
+              <a:t>2025/6/15</a:t>
             </a:fld>
             <a:endParaRPr kumimoji="1" lang="zh-CN" altLang="en-US"/>
           </a:p>
@@ -675,7 +682,7 @@
       </p:sp>
       <p:sp>
         <p:nvSpPr>
-          <p:cNvPr id="5" name="页脚占位符 4"/>
+          <p:cNvPr id="5" name="Footer Placeholder 4"/>
           <p:cNvSpPr>
             <a:spLocks noGrp="1"/>
           </p:cNvSpPr>
@@ -694,7 +701,7 @@
       </p:sp>
       <p:sp>
         <p:nvSpPr>
-          <p:cNvPr id="6" name="灯片编号占位符 5"/>
+          <p:cNvPr id="6" name="Slide Number Placeholder 5"/>
           <p:cNvSpPr>
             <a:spLocks noGrp="1"/>
           </p:cNvSpPr>
@@ -716,6 +723,11 @@
         </p:txBody>
       </p:sp>
     </p:spTree>
+    <p:extLst>
+      <p:ext uri="{BB962C8B-B14F-4D97-AF65-F5344CB8AC3E}">
+        <p14:creationId xmlns:p14="http://schemas.microsoft.com/office/powerpoint/2010/main" val="4087166133"/>
+      </p:ext>
+    </p:extLst>
   </p:cSld>
   <p:clrMapOvr>
     <a:masterClrMapping/>
@@ -742,7 +754,7 @@
       </p:grpSpPr>
       <p:sp>
         <p:nvSpPr>
-          <p:cNvPr id="2" name="标题 1"/>
+          <p:cNvPr id="2" name="Title 1"/>
           <p:cNvSpPr>
             <a:spLocks noGrp="1"/>
           </p:cNvSpPr>
@@ -756,15 +768,16 @@
           <a:lstStyle/>
           <a:p>
             <a:r>
-              <a:rPr kumimoji="1" lang="zh-CN" altLang="en-US"/>
+              <a:rPr lang="zh-CN" altLang="en-US"/>
               <a:t>单击此处编辑母版标题样式</a:t>
             </a:r>
-          </a:p>
-        </p:txBody>
-      </p:sp>
-      <p:sp>
-        <p:nvSpPr>
-          <p:cNvPr id="3" name="竖排文字占位符 2"/>
+            <a:endParaRPr lang="en-US" dirty="0"/>
+          </a:p>
+        </p:txBody>
+      </p:sp>
+      <p:sp>
+        <p:nvSpPr>
+          <p:cNvPr id="3" name="Vertical Text Placeholder 2"/>
           <p:cNvSpPr>
             <a:spLocks noGrp="1"/>
           </p:cNvSpPr>
@@ -779,43 +792,44 @@
           <a:p>
             <a:pPr lvl="0"/>
             <a:r>
-              <a:rPr kumimoji="1" lang="zh-CN" altLang="en-US"/>
+              <a:rPr lang="zh-CN" altLang="en-US"/>
               <a:t>单击此处编辑母版文本样式</a:t>
             </a:r>
           </a:p>
           <a:p>
             <a:pPr lvl="1"/>
             <a:r>
-              <a:rPr kumimoji="1" lang="zh-CN" altLang="en-US"/>
+              <a:rPr lang="zh-CN" altLang="en-US"/>
               <a:t>二级</a:t>
             </a:r>
           </a:p>
           <a:p>
             <a:pPr lvl="2"/>
             <a:r>
-              <a:rPr kumimoji="1" lang="zh-CN" altLang="en-US"/>
+              <a:rPr lang="zh-CN" altLang="en-US"/>
               <a:t>三级</a:t>
             </a:r>
           </a:p>
           <a:p>
             <a:pPr lvl="3"/>
             <a:r>
-              <a:rPr kumimoji="1" lang="zh-CN" altLang="en-US"/>
+              <a:rPr lang="zh-CN" altLang="en-US"/>
               <a:t>四级</a:t>
             </a:r>
           </a:p>
           <a:p>
             <a:pPr lvl="4"/>
             <a:r>
-              <a:rPr kumimoji="1" lang="zh-CN" altLang="en-US"/>
+              <a:rPr lang="zh-CN" altLang="en-US"/>
               <a:t>五级</a:t>
             </a:r>
-          </a:p>
-        </p:txBody>
-      </p:sp>
-      <p:sp>
-        <p:nvSpPr>
-          <p:cNvPr id="4" name="日期占位符 3"/>
+            <a:endParaRPr lang="en-US" dirty="0"/>
+          </a:p>
+        </p:txBody>
+      </p:sp>
+      <p:sp>
+        <p:nvSpPr>
+          <p:cNvPr id="4" name="Date Placeholder 3"/>
           <p:cNvSpPr>
             <a:spLocks noGrp="1"/>
           </p:cNvSpPr>
@@ -830,7 +844,7 @@
           <a:p>
             <a:fld id="{B8C17918-3A8B-164F-B62C-07D5B113208C}" type="datetimeFigureOut">
               <a:rPr kumimoji="1" lang="zh-CN" altLang="en-US" smtClean="0"/>
-              <a:t>2025/6/13</a:t>
+              <a:t>2025/6/15</a:t>
             </a:fld>
             <a:endParaRPr kumimoji="1" lang="zh-CN" altLang="en-US"/>
           </a:p>
@@ -838,7 +852,7 @@
       </p:sp>
       <p:sp>
         <p:nvSpPr>
-          <p:cNvPr id="5" name="页脚占位符 4"/>
+          <p:cNvPr id="5" name="Footer Placeholder 4"/>
           <p:cNvSpPr>
             <a:spLocks noGrp="1"/>
           </p:cNvSpPr>
@@ -857,7 +871,7 @@
       </p:sp>
       <p:sp>
         <p:nvSpPr>
-          <p:cNvPr id="6" name="灯片编号占位符 5"/>
+          <p:cNvPr id="6" name="Slide Number Placeholder 5"/>
           <p:cNvSpPr>
             <a:spLocks noGrp="1"/>
           </p:cNvSpPr>
@@ -879,6 +893,11 @@
         </p:txBody>
       </p:sp>
     </p:spTree>
+    <p:extLst>
+      <p:ext uri="{BB962C8B-B14F-4D97-AF65-F5344CB8AC3E}">
+        <p14:creationId xmlns:p14="http://schemas.microsoft.com/office/powerpoint/2010/main" val="82617818"/>
+      </p:ext>
+    </p:extLst>
   </p:cSld>
   <p:clrMapOvr>
     <a:masterClrMapping/>
@@ -905,7 +924,7 @@
       </p:grpSpPr>
       <p:sp>
         <p:nvSpPr>
-          <p:cNvPr id="2" name="竖排标题 1"/>
+          <p:cNvPr id="2" name="Vertical Title 1"/>
           <p:cNvSpPr>
             <a:spLocks noGrp="1"/>
           </p:cNvSpPr>
@@ -915,8 +934,8 @@
         </p:nvSpPr>
         <p:spPr>
           <a:xfrm>
-            <a:off x="8724900" y="365125"/>
-            <a:ext cx="2628900" cy="5811838"/>
+            <a:off x="7088982" y="365125"/>
+            <a:ext cx="2135981" cy="5811838"/>
           </a:xfrm>
         </p:spPr>
         <p:txBody>
@@ -924,15 +943,16 @@
           <a:lstStyle/>
           <a:p>
             <a:r>
-              <a:rPr kumimoji="1" lang="zh-CN" altLang="en-US"/>
+              <a:rPr lang="zh-CN" altLang="en-US"/>
               <a:t>单击此处编辑母版标题样式</a:t>
             </a:r>
-          </a:p>
-        </p:txBody>
-      </p:sp>
-      <p:sp>
-        <p:nvSpPr>
-          <p:cNvPr id="3" name="竖排文字占位符 2"/>
+            <a:endParaRPr lang="en-US" dirty="0"/>
+          </a:p>
+        </p:txBody>
+      </p:sp>
+      <p:sp>
+        <p:nvSpPr>
+          <p:cNvPr id="3" name="Vertical Text Placeholder 2"/>
           <p:cNvSpPr>
             <a:spLocks noGrp="1"/>
           </p:cNvSpPr>
@@ -942,8 +962,8 @@
         </p:nvSpPr>
         <p:spPr>
           <a:xfrm>
-            <a:off x="838200" y="365125"/>
-            <a:ext cx="7734300" cy="5811838"/>
+            <a:off x="681038" y="365125"/>
+            <a:ext cx="6284119" cy="5811838"/>
           </a:xfrm>
         </p:spPr>
         <p:txBody>
@@ -952,43 +972,44 @@
           <a:p>
             <a:pPr lvl="0"/>
             <a:r>
-              <a:rPr kumimoji="1" lang="zh-CN" altLang="en-US"/>
+              <a:rPr lang="zh-CN" altLang="en-US"/>
               <a:t>单击此处编辑母版文本样式</a:t>
             </a:r>
           </a:p>
           <a:p>
             <a:pPr lvl="1"/>
             <a:r>
-              <a:rPr kumimoji="1" lang="zh-CN" altLang="en-US"/>
+              <a:rPr lang="zh-CN" altLang="en-US"/>
               <a:t>二级</a:t>
             </a:r>
           </a:p>
           <a:p>
             <a:pPr lvl="2"/>
             <a:r>
-              <a:rPr kumimoji="1" lang="zh-CN" altLang="en-US"/>
+              <a:rPr lang="zh-CN" altLang="en-US"/>
               <a:t>三级</a:t>
             </a:r>
           </a:p>
           <a:p>
             <a:pPr lvl="3"/>
             <a:r>
-              <a:rPr kumimoji="1" lang="zh-CN" altLang="en-US"/>
+              <a:rPr lang="zh-CN" altLang="en-US"/>
               <a:t>四级</a:t>
             </a:r>
           </a:p>
           <a:p>
             <a:pPr lvl="4"/>
             <a:r>
-              <a:rPr kumimoji="1" lang="zh-CN" altLang="en-US"/>
+              <a:rPr lang="zh-CN" altLang="en-US"/>
               <a:t>五级</a:t>
             </a:r>
-          </a:p>
-        </p:txBody>
-      </p:sp>
-      <p:sp>
-        <p:nvSpPr>
-          <p:cNvPr id="4" name="日期占位符 3"/>
+            <a:endParaRPr lang="en-US" dirty="0"/>
+          </a:p>
+        </p:txBody>
+      </p:sp>
+      <p:sp>
+        <p:nvSpPr>
+          <p:cNvPr id="4" name="Date Placeholder 3"/>
           <p:cNvSpPr>
             <a:spLocks noGrp="1"/>
           </p:cNvSpPr>
@@ -1003,7 +1024,7 @@
           <a:p>
             <a:fld id="{B8C17918-3A8B-164F-B62C-07D5B113208C}" type="datetimeFigureOut">
               <a:rPr kumimoji="1" lang="zh-CN" altLang="en-US" smtClean="0"/>
-              <a:t>2025/6/13</a:t>
+              <a:t>2025/6/15</a:t>
             </a:fld>
             <a:endParaRPr kumimoji="1" lang="zh-CN" altLang="en-US"/>
           </a:p>
@@ -1011,7 +1032,7 @@
       </p:sp>
       <p:sp>
         <p:nvSpPr>
-          <p:cNvPr id="5" name="页脚占位符 4"/>
+          <p:cNvPr id="5" name="Footer Placeholder 4"/>
           <p:cNvSpPr>
             <a:spLocks noGrp="1"/>
           </p:cNvSpPr>
@@ -1030,7 +1051,7 @@
       </p:sp>
       <p:sp>
         <p:nvSpPr>
-          <p:cNvPr id="6" name="灯片编号占位符 5"/>
+          <p:cNvPr id="6" name="Slide Number Placeholder 5"/>
           <p:cNvSpPr>
             <a:spLocks noGrp="1"/>
           </p:cNvSpPr>
@@ -1052,6 +1073,11 @@
         </p:txBody>
       </p:sp>
     </p:spTree>
+    <p:extLst>
+      <p:ext uri="{BB962C8B-B14F-4D97-AF65-F5344CB8AC3E}">
+        <p14:creationId xmlns:p14="http://schemas.microsoft.com/office/powerpoint/2010/main" val="2650195686"/>
+      </p:ext>
+    </p:extLst>
   </p:cSld>
   <p:clrMapOvr>
     <a:masterClrMapping/>
@@ -1078,7 +1104,7 @@
       </p:grpSpPr>
       <p:sp>
         <p:nvSpPr>
-          <p:cNvPr id="2" name="标题 1"/>
+          <p:cNvPr id="2" name="Title 1"/>
           <p:cNvSpPr>
             <a:spLocks noGrp="1"/>
           </p:cNvSpPr>
@@ -1092,15 +1118,16 @@
           <a:lstStyle/>
           <a:p>
             <a:r>
-              <a:rPr kumimoji="1" lang="zh-CN" altLang="en-US"/>
+              <a:rPr lang="zh-CN" altLang="en-US"/>
               <a:t>单击此处编辑母版标题样式</a:t>
             </a:r>
-          </a:p>
-        </p:txBody>
-      </p:sp>
-      <p:sp>
-        <p:nvSpPr>
-          <p:cNvPr id="3" name="内容占位符 2"/>
+            <a:endParaRPr lang="en-US" dirty="0"/>
+          </a:p>
+        </p:txBody>
+      </p:sp>
+      <p:sp>
+        <p:nvSpPr>
+          <p:cNvPr id="3" name="Content Placeholder 2"/>
           <p:cNvSpPr>
             <a:spLocks noGrp="1"/>
           </p:cNvSpPr>
@@ -1115,43 +1142,44 @@
           <a:p>
             <a:pPr lvl="0"/>
             <a:r>
-              <a:rPr kumimoji="1" lang="zh-CN" altLang="en-US"/>
+              <a:rPr lang="zh-CN" altLang="en-US"/>
               <a:t>单击此处编辑母版文本样式</a:t>
             </a:r>
           </a:p>
           <a:p>
             <a:pPr lvl="1"/>
             <a:r>
-              <a:rPr kumimoji="1" lang="zh-CN" altLang="en-US"/>
+              <a:rPr lang="zh-CN" altLang="en-US"/>
               <a:t>二级</a:t>
             </a:r>
           </a:p>
           <a:p>
             <a:pPr lvl="2"/>
             <a:r>
-              <a:rPr kumimoji="1" lang="zh-CN" altLang="en-US"/>
+              <a:rPr lang="zh-CN" altLang="en-US"/>
               <a:t>三级</a:t>
             </a:r>
           </a:p>
           <a:p>
             <a:pPr lvl="3"/>
             <a:r>
-              <a:rPr kumimoji="1" lang="zh-CN" altLang="en-US"/>
+              <a:rPr lang="zh-CN" altLang="en-US"/>
               <a:t>四级</a:t>
             </a:r>
           </a:p>
           <a:p>
             <a:pPr lvl="4"/>
             <a:r>
-              <a:rPr kumimoji="1" lang="zh-CN" altLang="en-US"/>
+              <a:rPr lang="zh-CN" altLang="en-US"/>
               <a:t>五级</a:t>
             </a:r>
-          </a:p>
-        </p:txBody>
-      </p:sp>
-      <p:sp>
-        <p:nvSpPr>
-          <p:cNvPr id="4" name="日期占位符 3"/>
+            <a:endParaRPr lang="en-US" dirty="0"/>
+          </a:p>
+        </p:txBody>
+      </p:sp>
+      <p:sp>
+        <p:nvSpPr>
+          <p:cNvPr id="4" name="Date Placeholder 3"/>
           <p:cNvSpPr>
             <a:spLocks noGrp="1"/>
           </p:cNvSpPr>
@@ -1166,7 +1194,7 @@
           <a:p>
             <a:fld id="{B8C17918-3A8B-164F-B62C-07D5B113208C}" type="datetimeFigureOut">
               <a:rPr kumimoji="1" lang="zh-CN" altLang="en-US" smtClean="0"/>
-              <a:t>2025/6/13</a:t>
+              <a:t>2025/6/15</a:t>
             </a:fld>
             <a:endParaRPr kumimoji="1" lang="zh-CN" altLang="en-US"/>
           </a:p>
@@ -1174,7 +1202,7 @@
       </p:sp>
       <p:sp>
         <p:nvSpPr>
-          <p:cNvPr id="5" name="页脚占位符 4"/>
+          <p:cNvPr id="5" name="Footer Placeholder 4"/>
           <p:cNvSpPr>
             <a:spLocks noGrp="1"/>
           </p:cNvSpPr>
@@ -1193,7 +1221,7 @@
       </p:sp>
       <p:sp>
         <p:nvSpPr>
-          <p:cNvPr id="6" name="灯片编号占位符 5"/>
+          <p:cNvPr id="6" name="Slide Number Placeholder 5"/>
           <p:cNvSpPr>
             <a:spLocks noGrp="1"/>
           </p:cNvSpPr>
@@ -1215,6 +1243,11 @@
         </p:txBody>
       </p:sp>
     </p:spTree>
+    <p:extLst>
+      <p:ext uri="{BB962C8B-B14F-4D97-AF65-F5344CB8AC3E}">
+        <p14:creationId xmlns:p14="http://schemas.microsoft.com/office/powerpoint/2010/main" val="1375738234"/>
+      </p:ext>
+    </p:extLst>
   </p:cSld>
   <p:clrMapOvr>
     <a:masterClrMapping/>
@@ -1241,7 +1274,7 @@
       </p:grpSpPr>
       <p:sp>
         <p:nvSpPr>
-          <p:cNvPr id="2" name="标题 1"/>
+          <p:cNvPr id="2" name="Title 1"/>
           <p:cNvSpPr>
             <a:spLocks noGrp="1"/>
           </p:cNvSpPr>
@@ -1251,8 +1284,8 @@
         </p:nvSpPr>
         <p:spPr>
           <a:xfrm>
-            <a:off x="831850" y="1709738"/>
-            <a:ext cx="10515600" cy="2852737"/>
+            <a:off x="675879" y="1709740"/>
+            <a:ext cx="8543925" cy="2852737"/>
           </a:xfrm>
         </p:spPr>
         <p:txBody>
@@ -1264,15 +1297,16 @@
           </a:lstStyle>
           <a:p>
             <a:r>
-              <a:rPr kumimoji="1" lang="zh-CN" altLang="en-US"/>
+              <a:rPr lang="zh-CN" altLang="en-US"/>
               <a:t>单击此处编辑母版标题样式</a:t>
             </a:r>
-          </a:p>
-        </p:txBody>
-      </p:sp>
-      <p:sp>
-        <p:nvSpPr>
-          <p:cNvPr id="3" name="文本占位符 2"/>
+            <a:endParaRPr lang="en-US" dirty="0"/>
+          </a:p>
+        </p:txBody>
+      </p:sp>
+      <p:sp>
+        <p:nvSpPr>
+          <p:cNvPr id="3" name="Text Placeholder 2"/>
           <p:cNvSpPr>
             <a:spLocks noGrp="1"/>
           </p:cNvSpPr>
@@ -1282,8 +1316,8 @@
         </p:nvSpPr>
         <p:spPr>
           <a:xfrm>
-            <a:off x="831850" y="4589463"/>
-            <a:ext cx="10515600" cy="1500187"/>
+            <a:off x="675879" y="4589465"/>
+            <a:ext cx="8543925" cy="1500187"/>
           </a:xfrm>
         </p:spPr>
         <p:txBody>
@@ -1293,9 +1327,7 @@
               <a:buNone/>
               <a:defRPr sz="2400">
                 <a:solidFill>
-                  <a:schemeClr val="tx1">
-                    <a:tint val="75000"/>
-                  </a:schemeClr>
+                  <a:schemeClr val="tx1"/>
                 </a:solidFill>
               </a:defRPr>
             </a:lvl1pPr>
@@ -1383,7 +1415,7 @@
           <a:p>
             <a:pPr lvl="0"/>
             <a:r>
-              <a:rPr kumimoji="1" lang="zh-CN" altLang="en-US"/>
+              <a:rPr lang="zh-CN" altLang="en-US"/>
               <a:t>单击此处编辑母版文本样式</a:t>
             </a:r>
           </a:p>
@@ -1391,7 +1423,7 @@
       </p:sp>
       <p:sp>
         <p:nvSpPr>
-          <p:cNvPr id="4" name="日期占位符 3"/>
+          <p:cNvPr id="4" name="Date Placeholder 3"/>
           <p:cNvSpPr>
             <a:spLocks noGrp="1"/>
           </p:cNvSpPr>
@@ -1406,7 +1438,7 @@
           <a:p>
             <a:fld id="{B8C17918-3A8B-164F-B62C-07D5B113208C}" type="datetimeFigureOut">
               <a:rPr kumimoji="1" lang="zh-CN" altLang="en-US" smtClean="0"/>
-              <a:t>2025/6/13</a:t>
+              <a:t>2025/6/15</a:t>
             </a:fld>
             <a:endParaRPr kumimoji="1" lang="zh-CN" altLang="en-US"/>
           </a:p>
@@ -1414,7 +1446,7 @@
       </p:sp>
       <p:sp>
         <p:nvSpPr>
-          <p:cNvPr id="5" name="页脚占位符 4"/>
+          <p:cNvPr id="5" name="Footer Placeholder 4"/>
           <p:cNvSpPr>
             <a:spLocks noGrp="1"/>
           </p:cNvSpPr>
@@ -1433,7 +1465,7 @@
       </p:sp>
       <p:sp>
         <p:nvSpPr>
-          <p:cNvPr id="6" name="灯片编号占位符 5"/>
+          <p:cNvPr id="6" name="Slide Number Placeholder 5"/>
           <p:cNvSpPr>
             <a:spLocks noGrp="1"/>
           </p:cNvSpPr>
@@ -1455,6 +1487,11 @@
         </p:txBody>
       </p:sp>
     </p:spTree>
+    <p:extLst>
+      <p:ext uri="{BB962C8B-B14F-4D97-AF65-F5344CB8AC3E}">
+        <p14:creationId xmlns:p14="http://schemas.microsoft.com/office/powerpoint/2010/main" val="1118517573"/>
+      </p:ext>
+    </p:extLst>
   </p:cSld>
   <p:clrMapOvr>
     <a:masterClrMapping/>
@@ -1481,7 +1518,7 @@
       </p:grpSpPr>
       <p:sp>
         <p:nvSpPr>
-          <p:cNvPr id="2" name="标题 1"/>
+          <p:cNvPr id="2" name="Title 1"/>
           <p:cNvSpPr>
             <a:spLocks noGrp="1"/>
           </p:cNvSpPr>
@@ -1495,15 +1532,16 @@
           <a:lstStyle/>
           <a:p>
             <a:r>
-              <a:rPr kumimoji="1" lang="zh-CN" altLang="en-US"/>
+              <a:rPr lang="zh-CN" altLang="en-US"/>
               <a:t>单击此处编辑母版标题样式</a:t>
             </a:r>
-          </a:p>
-        </p:txBody>
-      </p:sp>
-      <p:sp>
-        <p:nvSpPr>
-          <p:cNvPr id="3" name="内容占位符 2"/>
+            <a:endParaRPr lang="en-US" dirty="0"/>
+          </a:p>
+        </p:txBody>
+      </p:sp>
+      <p:sp>
+        <p:nvSpPr>
+          <p:cNvPr id="3" name="Content Placeholder 2"/>
           <p:cNvSpPr>
             <a:spLocks noGrp="1"/>
           </p:cNvSpPr>
@@ -1513,8 +1551,8 @@
         </p:nvSpPr>
         <p:spPr>
           <a:xfrm>
-            <a:off x="838200" y="1825625"/>
-            <a:ext cx="5181600" cy="4351338"/>
+            <a:off x="681038" y="1825625"/>
+            <a:ext cx="4210050" cy="4351338"/>
           </a:xfrm>
         </p:spPr>
         <p:txBody>
@@ -1523,43 +1561,44 @@
           <a:p>
             <a:pPr lvl="0"/>
             <a:r>
-              <a:rPr kumimoji="1" lang="zh-CN" altLang="en-US"/>
+              <a:rPr lang="zh-CN" altLang="en-US"/>
               <a:t>单击此处编辑母版文本样式</a:t>
             </a:r>
           </a:p>
           <a:p>
             <a:pPr lvl="1"/>
             <a:r>
-              <a:rPr kumimoji="1" lang="zh-CN" altLang="en-US"/>
+              <a:rPr lang="zh-CN" altLang="en-US"/>
               <a:t>二级</a:t>
             </a:r>
           </a:p>
           <a:p>
             <a:pPr lvl="2"/>
             <a:r>
-              <a:rPr kumimoji="1" lang="zh-CN" altLang="en-US"/>
+              <a:rPr lang="zh-CN" altLang="en-US"/>
               <a:t>三级</a:t>
             </a:r>
           </a:p>
           <a:p>
             <a:pPr lvl="3"/>
             <a:r>
-              <a:rPr kumimoji="1" lang="zh-CN" altLang="en-US"/>
+              <a:rPr lang="zh-CN" altLang="en-US"/>
               <a:t>四级</a:t>
             </a:r>
           </a:p>
           <a:p>
             <a:pPr lvl="4"/>
             <a:r>
-              <a:rPr kumimoji="1" lang="zh-CN" altLang="en-US"/>
+              <a:rPr lang="zh-CN" altLang="en-US"/>
               <a:t>五级</a:t>
             </a:r>
-          </a:p>
-        </p:txBody>
-      </p:sp>
-      <p:sp>
-        <p:nvSpPr>
-          <p:cNvPr id="4" name="内容占位符 3"/>
+            <a:endParaRPr lang="en-US" dirty="0"/>
+          </a:p>
+        </p:txBody>
+      </p:sp>
+      <p:sp>
+        <p:nvSpPr>
+          <p:cNvPr id="4" name="Content Placeholder 3"/>
           <p:cNvSpPr>
             <a:spLocks noGrp="1"/>
           </p:cNvSpPr>
@@ -1569,8 +1608,8 @@
         </p:nvSpPr>
         <p:spPr>
           <a:xfrm>
-            <a:off x="6172200" y="1825625"/>
-            <a:ext cx="5181600" cy="4351338"/>
+            <a:off x="5014913" y="1825625"/>
+            <a:ext cx="4210050" cy="4351338"/>
           </a:xfrm>
         </p:spPr>
         <p:txBody>
@@ -1579,43 +1618,44 @@
           <a:p>
             <a:pPr lvl="0"/>
             <a:r>
-              <a:rPr kumimoji="1" lang="zh-CN" altLang="en-US"/>
+              <a:rPr lang="zh-CN" altLang="en-US"/>
               <a:t>单击此处编辑母版文本样式</a:t>
             </a:r>
           </a:p>
           <a:p>
             <a:pPr lvl="1"/>
             <a:r>
-              <a:rPr kumimoji="1" lang="zh-CN" altLang="en-US"/>
+              <a:rPr lang="zh-CN" altLang="en-US"/>
               <a:t>二级</a:t>
             </a:r>
           </a:p>
           <a:p>
             <a:pPr lvl="2"/>
             <a:r>
-              <a:rPr kumimoji="1" lang="zh-CN" altLang="en-US"/>
+              <a:rPr lang="zh-CN" altLang="en-US"/>
               <a:t>三级</a:t>
             </a:r>
           </a:p>
           <a:p>
             <a:pPr lvl="3"/>
             <a:r>
-              <a:rPr kumimoji="1" lang="zh-CN" altLang="en-US"/>
+              <a:rPr lang="zh-CN" altLang="en-US"/>
               <a:t>四级</a:t>
             </a:r>
           </a:p>
           <a:p>
             <a:pPr lvl="4"/>
             <a:r>
-              <a:rPr kumimoji="1" lang="zh-CN" altLang="en-US"/>
+              <a:rPr lang="zh-CN" altLang="en-US"/>
               <a:t>五级</a:t>
             </a:r>
-          </a:p>
-        </p:txBody>
-      </p:sp>
-      <p:sp>
-        <p:nvSpPr>
-          <p:cNvPr id="5" name="日期占位符 4"/>
+            <a:endParaRPr lang="en-US" dirty="0"/>
+          </a:p>
+        </p:txBody>
+      </p:sp>
+      <p:sp>
+        <p:nvSpPr>
+          <p:cNvPr id="5" name="Date Placeholder 4"/>
           <p:cNvSpPr>
             <a:spLocks noGrp="1"/>
           </p:cNvSpPr>
@@ -1630,7 +1670,7 @@
           <a:p>
             <a:fld id="{B8C17918-3A8B-164F-B62C-07D5B113208C}" type="datetimeFigureOut">
               <a:rPr kumimoji="1" lang="zh-CN" altLang="en-US" smtClean="0"/>
-              <a:t>2025/6/13</a:t>
+              <a:t>2025/6/15</a:t>
             </a:fld>
             <a:endParaRPr kumimoji="1" lang="zh-CN" altLang="en-US"/>
           </a:p>
@@ -1638,7 +1678,7 @@
       </p:sp>
       <p:sp>
         <p:nvSpPr>
-          <p:cNvPr id="6" name="页脚占位符 5"/>
+          <p:cNvPr id="6" name="Footer Placeholder 5"/>
           <p:cNvSpPr>
             <a:spLocks noGrp="1"/>
           </p:cNvSpPr>
@@ -1657,7 +1697,7 @@
       </p:sp>
       <p:sp>
         <p:nvSpPr>
-          <p:cNvPr id="7" name="灯片编号占位符 6"/>
+          <p:cNvPr id="7" name="Slide Number Placeholder 6"/>
           <p:cNvSpPr>
             <a:spLocks noGrp="1"/>
           </p:cNvSpPr>
@@ -1679,6 +1719,11 @@
         </p:txBody>
       </p:sp>
     </p:spTree>
+    <p:extLst>
+      <p:ext uri="{BB962C8B-B14F-4D97-AF65-F5344CB8AC3E}">
+        <p14:creationId xmlns:p14="http://schemas.microsoft.com/office/powerpoint/2010/main" val="3168639008"/>
+      </p:ext>
+    </p:extLst>
   </p:cSld>
   <p:clrMapOvr>
     <a:masterClrMapping/>
@@ -1705,7 +1750,7 @@
       </p:grpSpPr>
       <p:sp>
         <p:nvSpPr>
-          <p:cNvPr id="2" name="标题 1"/>
+          <p:cNvPr id="2" name="Title 1"/>
           <p:cNvSpPr>
             <a:spLocks noGrp="1"/>
           </p:cNvSpPr>
@@ -1715,8 +1760,8 @@
         </p:nvSpPr>
         <p:spPr>
           <a:xfrm>
-            <a:off x="839788" y="365125"/>
-            <a:ext cx="10515600" cy="1325563"/>
+            <a:off x="682328" y="365126"/>
+            <a:ext cx="8543925" cy="1325563"/>
           </a:xfrm>
         </p:spPr>
         <p:txBody>
@@ -1724,15 +1769,16 @@
           <a:lstStyle/>
           <a:p>
             <a:r>
-              <a:rPr kumimoji="1" lang="zh-CN" altLang="en-US"/>
+              <a:rPr lang="zh-CN" altLang="en-US"/>
               <a:t>单击此处编辑母版标题样式</a:t>
             </a:r>
-          </a:p>
-        </p:txBody>
-      </p:sp>
-      <p:sp>
-        <p:nvSpPr>
-          <p:cNvPr id="3" name="文本占位符 2"/>
+            <a:endParaRPr lang="en-US" dirty="0"/>
+          </a:p>
+        </p:txBody>
+      </p:sp>
+      <p:sp>
+        <p:nvSpPr>
+          <p:cNvPr id="3" name="Text Placeholder 2"/>
           <p:cNvSpPr>
             <a:spLocks noGrp="1"/>
           </p:cNvSpPr>
@@ -1742,8 +1788,8 @@
         </p:nvSpPr>
         <p:spPr>
           <a:xfrm>
-            <a:off x="839788" y="1681163"/>
-            <a:ext cx="5157787" cy="823912"/>
+            <a:off x="682329" y="1681163"/>
+            <a:ext cx="4190702" cy="823912"/>
           </a:xfrm>
         </p:spPr>
         <p:txBody>
@@ -1789,7 +1835,7 @@
           <a:p>
             <a:pPr lvl="0"/>
             <a:r>
-              <a:rPr kumimoji="1" lang="zh-CN" altLang="en-US"/>
+              <a:rPr lang="zh-CN" altLang="en-US"/>
               <a:t>单击此处编辑母版文本样式</a:t>
             </a:r>
           </a:p>
@@ -1797,7 +1843,7 @@
       </p:sp>
       <p:sp>
         <p:nvSpPr>
-          <p:cNvPr id="4" name="内容占位符 3"/>
+          <p:cNvPr id="4" name="Content Placeholder 3"/>
           <p:cNvSpPr>
             <a:spLocks noGrp="1"/>
           </p:cNvSpPr>
@@ -1807,8 +1853,8 @@
         </p:nvSpPr>
         <p:spPr>
           <a:xfrm>
-            <a:off x="839788" y="2505075"/>
-            <a:ext cx="5157787" cy="3684588"/>
+            <a:off x="682329" y="2505075"/>
+            <a:ext cx="4190702" cy="3684588"/>
           </a:xfrm>
         </p:spPr>
         <p:txBody>
@@ -1817,43 +1863,44 @@
           <a:p>
             <a:pPr lvl="0"/>
             <a:r>
-              <a:rPr kumimoji="1" lang="zh-CN" altLang="en-US"/>
+              <a:rPr lang="zh-CN" altLang="en-US"/>
               <a:t>单击此处编辑母版文本样式</a:t>
             </a:r>
           </a:p>
           <a:p>
             <a:pPr lvl="1"/>
             <a:r>
-              <a:rPr kumimoji="1" lang="zh-CN" altLang="en-US"/>
+              <a:rPr lang="zh-CN" altLang="en-US"/>
               <a:t>二级</a:t>
             </a:r>
           </a:p>
           <a:p>
             <a:pPr lvl="2"/>
             <a:r>
-              <a:rPr kumimoji="1" lang="zh-CN" altLang="en-US"/>
+              <a:rPr lang="zh-CN" altLang="en-US"/>
               <a:t>三级</a:t>
             </a:r>
           </a:p>
           <a:p>
             <a:pPr lvl="3"/>
             <a:r>
-              <a:rPr kumimoji="1" lang="zh-CN" altLang="en-US"/>
+              <a:rPr lang="zh-CN" altLang="en-US"/>
               <a:t>四级</a:t>
             </a:r>
           </a:p>
           <a:p>
             <a:pPr lvl="4"/>
             <a:r>
-              <a:rPr kumimoji="1" lang="zh-CN" altLang="en-US"/>
+              <a:rPr lang="zh-CN" altLang="en-US"/>
               <a:t>五级</a:t>
             </a:r>
-          </a:p>
-        </p:txBody>
-      </p:sp>
-      <p:sp>
-        <p:nvSpPr>
-          <p:cNvPr id="5" name="文本占位符 4"/>
+            <a:endParaRPr lang="en-US" dirty="0"/>
+          </a:p>
+        </p:txBody>
+      </p:sp>
+      <p:sp>
+        <p:nvSpPr>
+          <p:cNvPr id="5" name="Text Placeholder 4"/>
           <p:cNvSpPr>
             <a:spLocks noGrp="1"/>
           </p:cNvSpPr>
@@ -1863,8 +1910,8 @@
         </p:nvSpPr>
         <p:spPr>
           <a:xfrm>
-            <a:off x="6172200" y="1681163"/>
-            <a:ext cx="5183188" cy="823912"/>
+            <a:off x="5014913" y="1681163"/>
+            <a:ext cx="4211340" cy="823912"/>
           </a:xfrm>
         </p:spPr>
         <p:txBody>
@@ -1910,7 +1957,7 @@
           <a:p>
             <a:pPr lvl="0"/>
             <a:r>
-              <a:rPr kumimoji="1" lang="zh-CN" altLang="en-US"/>
+              <a:rPr lang="zh-CN" altLang="en-US"/>
               <a:t>单击此处编辑母版文本样式</a:t>
             </a:r>
           </a:p>
@@ -1918,7 +1965,7 @@
       </p:sp>
       <p:sp>
         <p:nvSpPr>
-          <p:cNvPr id="6" name="内容占位符 5"/>
+          <p:cNvPr id="6" name="Content Placeholder 5"/>
           <p:cNvSpPr>
             <a:spLocks noGrp="1"/>
           </p:cNvSpPr>
@@ -1928,8 +1975,8 @@
         </p:nvSpPr>
         <p:spPr>
           <a:xfrm>
-            <a:off x="6172200" y="2505075"/>
-            <a:ext cx="5183188" cy="3684588"/>
+            <a:off x="5014913" y="2505075"/>
+            <a:ext cx="4211340" cy="3684588"/>
           </a:xfrm>
         </p:spPr>
         <p:txBody>
@@ -1938,43 +1985,44 @@
           <a:p>
             <a:pPr lvl="0"/>
             <a:r>
-              <a:rPr kumimoji="1" lang="zh-CN" altLang="en-US"/>
+              <a:rPr lang="zh-CN" altLang="en-US"/>
               <a:t>单击此处编辑母版文本样式</a:t>
             </a:r>
           </a:p>
           <a:p>
             <a:pPr lvl="1"/>
             <a:r>
-              <a:rPr kumimoji="1" lang="zh-CN" altLang="en-US"/>
+              <a:rPr lang="zh-CN" altLang="en-US"/>
               <a:t>二级</a:t>
             </a:r>
           </a:p>
           <a:p>
             <a:pPr lvl="2"/>
             <a:r>
-              <a:rPr kumimoji="1" lang="zh-CN" altLang="en-US"/>
+              <a:rPr lang="zh-CN" altLang="en-US"/>
               <a:t>三级</a:t>
             </a:r>
           </a:p>
           <a:p>
             <a:pPr lvl="3"/>
             <a:r>
-              <a:rPr kumimoji="1" lang="zh-CN" altLang="en-US"/>
+              <a:rPr lang="zh-CN" altLang="en-US"/>
               <a:t>四级</a:t>
             </a:r>
           </a:p>
           <a:p>
             <a:pPr lvl="4"/>
             <a:r>
-              <a:rPr kumimoji="1" lang="zh-CN" altLang="en-US"/>
+              <a:rPr lang="zh-CN" altLang="en-US"/>
               <a:t>五级</a:t>
             </a:r>
-          </a:p>
-        </p:txBody>
-      </p:sp>
-      <p:sp>
-        <p:nvSpPr>
-          <p:cNvPr id="7" name="日期占位符 6"/>
+            <a:endParaRPr lang="en-US" dirty="0"/>
+          </a:p>
+        </p:txBody>
+      </p:sp>
+      <p:sp>
+        <p:nvSpPr>
+          <p:cNvPr id="7" name="Date Placeholder 6"/>
           <p:cNvSpPr>
             <a:spLocks noGrp="1"/>
           </p:cNvSpPr>
@@ -1989,7 +2037,7 @@
           <a:p>
             <a:fld id="{B8C17918-3A8B-164F-B62C-07D5B113208C}" type="datetimeFigureOut">
               <a:rPr kumimoji="1" lang="zh-CN" altLang="en-US" smtClean="0"/>
-              <a:t>2025/6/13</a:t>
+              <a:t>2025/6/15</a:t>
             </a:fld>
             <a:endParaRPr kumimoji="1" lang="zh-CN" altLang="en-US"/>
           </a:p>
@@ -1997,7 +2045,7 @@
       </p:sp>
       <p:sp>
         <p:nvSpPr>
-          <p:cNvPr id="8" name="页脚占位符 7"/>
+          <p:cNvPr id="8" name="Footer Placeholder 7"/>
           <p:cNvSpPr>
             <a:spLocks noGrp="1"/>
           </p:cNvSpPr>
@@ -2016,7 +2064,7 @@
       </p:sp>
       <p:sp>
         <p:nvSpPr>
-          <p:cNvPr id="9" name="灯片编号占位符 8"/>
+          <p:cNvPr id="9" name="Slide Number Placeholder 8"/>
           <p:cNvSpPr>
             <a:spLocks noGrp="1"/>
           </p:cNvSpPr>
@@ -2038,6 +2086,11 @@
         </p:txBody>
       </p:sp>
     </p:spTree>
+    <p:extLst>
+      <p:ext uri="{BB962C8B-B14F-4D97-AF65-F5344CB8AC3E}">
+        <p14:creationId xmlns:p14="http://schemas.microsoft.com/office/powerpoint/2010/main" val="1643323183"/>
+      </p:ext>
+    </p:extLst>
   </p:cSld>
   <p:clrMapOvr>
     <a:masterClrMapping/>
@@ -2064,7 +2117,7 @@
       </p:grpSpPr>
       <p:sp>
         <p:nvSpPr>
-          <p:cNvPr id="2" name="标题 1"/>
+          <p:cNvPr id="2" name="Title 1"/>
           <p:cNvSpPr>
             <a:spLocks noGrp="1"/>
           </p:cNvSpPr>
@@ -2078,15 +2131,16 @@
           <a:lstStyle/>
           <a:p>
             <a:r>
-              <a:rPr kumimoji="1" lang="zh-CN" altLang="en-US"/>
+              <a:rPr lang="zh-CN" altLang="en-US"/>
               <a:t>单击此处编辑母版标题样式</a:t>
             </a:r>
-          </a:p>
-        </p:txBody>
-      </p:sp>
-      <p:sp>
-        <p:nvSpPr>
-          <p:cNvPr id="3" name="日期占位符 2"/>
+            <a:endParaRPr lang="en-US" dirty="0"/>
+          </a:p>
+        </p:txBody>
+      </p:sp>
+      <p:sp>
+        <p:nvSpPr>
+          <p:cNvPr id="3" name="Date Placeholder 2"/>
           <p:cNvSpPr>
             <a:spLocks noGrp="1"/>
           </p:cNvSpPr>
@@ -2101,7 +2155,7 @@
           <a:p>
             <a:fld id="{B8C17918-3A8B-164F-B62C-07D5B113208C}" type="datetimeFigureOut">
               <a:rPr kumimoji="1" lang="zh-CN" altLang="en-US" smtClean="0"/>
-              <a:t>2025/6/13</a:t>
+              <a:t>2025/6/15</a:t>
             </a:fld>
             <a:endParaRPr kumimoji="1" lang="zh-CN" altLang="en-US"/>
           </a:p>
@@ -2109,7 +2163,7 @@
       </p:sp>
       <p:sp>
         <p:nvSpPr>
-          <p:cNvPr id="4" name="页脚占位符 3"/>
+          <p:cNvPr id="4" name="Footer Placeholder 3"/>
           <p:cNvSpPr>
             <a:spLocks noGrp="1"/>
           </p:cNvSpPr>
@@ -2128,7 +2182,7 @@
       </p:sp>
       <p:sp>
         <p:nvSpPr>
-          <p:cNvPr id="5" name="灯片编号占位符 4"/>
+          <p:cNvPr id="5" name="Slide Number Placeholder 4"/>
           <p:cNvSpPr>
             <a:spLocks noGrp="1"/>
           </p:cNvSpPr>
@@ -2150,6 +2204,11 @@
         </p:txBody>
       </p:sp>
     </p:spTree>
+    <p:extLst>
+      <p:ext uri="{BB962C8B-B14F-4D97-AF65-F5344CB8AC3E}">
+        <p14:creationId xmlns:p14="http://schemas.microsoft.com/office/powerpoint/2010/main" val="2847384274"/>
+      </p:ext>
+    </p:extLst>
   </p:cSld>
   <p:clrMapOvr>
     <a:masterClrMapping/>
@@ -2176,7 +2235,7 @@
       </p:grpSpPr>
       <p:sp>
         <p:nvSpPr>
-          <p:cNvPr id="2" name="日期占位符 1"/>
+          <p:cNvPr id="2" name="Date Placeholder 1"/>
           <p:cNvSpPr>
             <a:spLocks noGrp="1"/>
           </p:cNvSpPr>
@@ -2191,7 +2250,7 @@
           <a:p>
             <a:fld id="{B8C17918-3A8B-164F-B62C-07D5B113208C}" type="datetimeFigureOut">
               <a:rPr kumimoji="1" lang="zh-CN" altLang="en-US" smtClean="0"/>
-              <a:t>2025/6/13</a:t>
+              <a:t>2025/6/15</a:t>
             </a:fld>
             <a:endParaRPr kumimoji="1" lang="zh-CN" altLang="en-US"/>
           </a:p>
@@ -2199,7 +2258,7 @@
       </p:sp>
       <p:sp>
         <p:nvSpPr>
-          <p:cNvPr id="3" name="页脚占位符 2"/>
+          <p:cNvPr id="3" name="Footer Placeholder 2"/>
           <p:cNvSpPr>
             <a:spLocks noGrp="1"/>
           </p:cNvSpPr>
@@ -2218,7 +2277,7 @@
       </p:sp>
       <p:sp>
         <p:nvSpPr>
-          <p:cNvPr id="4" name="灯片编号占位符 3"/>
+          <p:cNvPr id="4" name="Slide Number Placeholder 3"/>
           <p:cNvSpPr>
             <a:spLocks noGrp="1"/>
           </p:cNvSpPr>
@@ -2240,6 +2299,11 @@
         </p:txBody>
       </p:sp>
     </p:spTree>
+    <p:extLst>
+      <p:ext uri="{BB962C8B-B14F-4D97-AF65-F5344CB8AC3E}">
+        <p14:creationId xmlns:p14="http://schemas.microsoft.com/office/powerpoint/2010/main" val="489719422"/>
+      </p:ext>
+    </p:extLst>
   </p:cSld>
   <p:clrMapOvr>
     <a:masterClrMapping/>
@@ -2266,7 +2330,7 @@
       </p:grpSpPr>
       <p:sp>
         <p:nvSpPr>
-          <p:cNvPr id="2" name="标题 1"/>
+          <p:cNvPr id="2" name="Title 1"/>
           <p:cNvSpPr>
             <a:spLocks noGrp="1"/>
           </p:cNvSpPr>
@@ -2276,8 +2340,8 @@
         </p:nvSpPr>
         <p:spPr>
           <a:xfrm>
-            <a:off x="839788" y="457200"/>
-            <a:ext cx="3932237" cy="1600200"/>
+            <a:off x="682328" y="457200"/>
+            <a:ext cx="3194943" cy="1600200"/>
           </a:xfrm>
         </p:spPr>
         <p:txBody>
@@ -2289,15 +2353,16 @@
           </a:lstStyle>
           <a:p>
             <a:r>
-              <a:rPr kumimoji="1" lang="zh-CN" altLang="en-US"/>
+              <a:rPr lang="zh-CN" altLang="en-US"/>
               <a:t>单击此处编辑母版标题样式</a:t>
             </a:r>
-          </a:p>
-        </p:txBody>
-      </p:sp>
-      <p:sp>
-        <p:nvSpPr>
-          <p:cNvPr id="3" name="内容占位符 2"/>
+            <a:endParaRPr lang="en-US" dirty="0"/>
+          </a:p>
+        </p:txBody>
+      </p:sp>
+      <p:sp>
+        <p:nvSpPr>
+          <p:cNvPr id="3" name="Content Placeholder 2"/>
           <p:cNvSpPr>
             <a:spLocks noGrp="1"/>
           </p:cNvSpPr>
@@ -2307,8 +2372,8 @@
         </p:nvSpPr>
         <p:spPr>
           <a:xfrm>
-            <a:off x="5183188" y="987425"/>
-            <a:ext cx="6172200" cy="4873625"/>
+            <a:off x="4211340" y="987426"/>
+            <a:ext cx="5014913" cy="4873625"/>
           </a:xfrm>
         </p:spPr>
         <p:txBody>
@@ -2345,43 +2410,44 @@
           <a:p>
             <a:pPr lvl="0"/>
             <a:r>
-              <a:rPr kumimoji="1" lang="zh-CN" altLang="en-US"/>
+              <a:rPr lang="zh-CN" altLang="en-US"/>
               <a:t>单击此处编辑母版文本样式</a:t>
             </a:r>
           </a:p>
           <a:p>
             <a:pPr lvl="1"/>
             <a:r>
-              <a:rPr kumimoji="1" lang="zh-CN" altLang="en-US"/>
+              <a:rPr lang="zh-CN" altLang="en-US"/>
               <a:t>二级</a:t>
             </a:r>
           </a:p>
           <a:p>
             <a:pPr lvl="2"/>
             <a:r>
-              <a:rPr kumimoji="1" lang="zh-CN" altLang="en-US"/>
+              <a:rPr lang="zh-CN" altLang="en-US"/>
               <a:t>三级</a:t>
             </a:r>
           </a:p>
           <a:p>
             <a:pPr lvl="3"/>
             <a:r>
-              <a:rPr kumimoji="1" lang="zh-CN" altLang="en-US"/>
+              <a:rPr lang="zh-CN" altLang="en-US"/>
               <a:t>四级</a:t>
             </a:r>
           </a:p>
           <a:p>
             <a:pPr lvl="4"/>
             <a:r>
-              <a:rPr kumimoji="1" lang="zh-CN" altLang="en-US"/>
+              <a:rPr lang="zh-CN" altLang="en-US"/>
               <a:t>五级</a:t>
             </a:r>
-          </a:p>
-        </p:txBody>
-      </p:sp>
-      <p:sp>
-        <p:nvSpPr>
-          <p:cNvPr id="4" name="文本占位符 3"/>
+            <a:endParaRPr lang="en-US" dirty="0"/>
+          </a:p>
+        </p:txBody>
+      </p:sp>
+      <p:sp>
+        <p:nvSpPr>
+          <p:cNvPr id="4" name="Text Placeholder 3"/>
           <p:cNvSpPr>
             <a:spLocks noGrp="1"/>
           </p:cNvSpPr>
@@ -2391,8 +2457,8 @@
         </p:nvSpPr>
         <p:spPr>
           <a:xfrm>
-            <a:off x="839788" y="2057400"/>
-            <a:ext cx="3932237" cy="3811588"/>
+            <a:off x="682328" y="2057400"/>
+            <a:ext cx="3194943" cy="3811588"/>
           </a:xfrm>
         </p:spPr>
         <p:txBody>
@@ -2438,7 +2504,7 @@
           <a:p>
             <a:pPr lvl="0"/>
             <a:r>
-              <a:rPr kumimoji="1" lang="zh-CN" altLang="en-US"/>
+              <a:rPr lang="zh-CN" altLang="en-US"/>
               <a:t>单击此处编辑母版文本样式</a:t>
             </a:r>
           </a:p>
@@ -2446,7 +2512,7 @@
       </p:sp>
       <p:sp>
         <p:nvSpPr>
-          <p:cNvPr id="5" name="日期占位符 4"/>
+          <p:cNvPr id="5" name="Date Placeholder 4"/>
           <p:cNvSpPr>
             <a:spLocks noGrp="1"/>
           </p:cNvSpPr>
@@ -2461,7 +2527,7 @@
           <a:p>
             <a:fld id="{B8C17918-3A8B-164F-B62C-07D5B113208C}" type="datetimeFigureOut">
               <a:rPr kumimoji="1" lang="zh-CN" altLang="en-US" smtClean="0"/>
-              <a:t>2025/6/13</a:t>
+              <a:t>2025/6/15</a:t>
             </a:fld>
             <a:endParaRPr kumimoji="1" lang="zh-CN" altLang="en-US"/>
           </a:p>
@@ -2469,7 +2535,7 @@
       </p:sp>
       <p:sp>
         <p:nvSpPr>
-          <p:cNvPr id="6" name="页脚占位符 5"/>
+          <p:cNvPr id="6" name="Footer Placeholder 5"/>
           <p:cNvSpPr>
             <a:spLocks noGrp="1"/>
           </p:cNvSpPr>
@@ -2488,7 +2554,7 @@
       </p:sp>
       <p:sp>
         <p:nvSpPr>
-          <p:cNvPr id="7" name="灯片编号占位符 6"/>
+          <p:cNvPr id="7" name="Slide Number Placeholder 6"/>
           <p:cNvSpPr>
             <a:spLocks noGrp="1"/>
           </p:cNvSpPr>
@@ -2510,6 +2576,11 @@
         </p:txBody>
       </p:sp>
     </p:spTree>
+    <p:extLst>
+      <p:ext uri="{BB962C8B-B14F-4D97-AF65-F5344CB8AC3E}">
+        <p14:creationId xmlns:p14="http://schemas.microsoft.com/office/powerpoint/2010/main" val="2307914610"/>
+      </p:ext>
+    </p:extLst>
   </p:cSld>
   <p:clrMapOvr>
     <a:masterClrMapping/>
@@ -2536,7 +2607,7 @@
       </p:grpSpPr>
       <p:sp>
         <p:nvSpPr>
-          <p:cNvPr id="2" name="标题 1"/>
+          <p:cNvPr id="2" name="Title 1"/>
           <p:cNvSpPr>
             <a:spLocks noGrp="1"/>
           </p:cNvSpPr>
@@ -2546,8 +2617,8 @@
         </p:nvSpPr>
         <p:spPr>
           <a:xfrm>
-            <a:off x="839788" y="457200"/>
-            <a:ext cx="3932237" cy="1600200"/>
+            <a:off x="682328" y="457200"/>
+            <a:ext cx="3194943" cy="1600200"/>
           </a:xfrm>
         </p:spPr>
         <p:txBody>
@@ -2559,17 +2630,18 @@
           </a:lstStyle>
           <a:p>
             <a:r>
-              <a:rPr kumimoji="1" lang="zh-CN" altLang="en-US"/>
+              <a:rPr lang="zh-CN" altLang="en-US"/>
               <a:t>单击此处编辑母版标题样式</a:t>
             </a:r>
-          </a:p>
-        </p:txBody>
-      </p:sp>
-      <p:sp>
-        <p:nvSpPr>
-          <p:cNvPr id="3" name="图片占位符 2"/>
-          <p:cNvSpPr>
-            <a:spLocks noGrp="1"/>
+            <a:endParaRPr lang="en-US" dirty="0"/>
+          </a:p>
+        </p:txBody>
+      </p:sp>
+      <p:sp>
+        <p:nvSpPr>
+          <p:cNvPr id="3" name="Picture Placeholder 2"/>
+          <p:cNvSpPr>
+            <a:spLocks noGrp="1" noChangeAspect="1"/>
           </p:cNvSpPr>
           <p:nvPr>
             <p:ph type="pic" idx="1"/>
@@ -2577,12 +2649,12 @@
         </p:nvSpPr>
         <p:spPr>
           <a:xfrm>
-            <a:off x="5183188" y="987425"/>
-            <a:ext cx="6172200" cy="4873625"/>
+            <a:off x="4211340" y="987426"/>
+            <a:ext cx="5014913" cy="4873625"/>
           </a:xfrm>
         </p:spPr>
         <p:txBody>
-          <a:bodyPr/>
+          <a:bodyPr anchor="t"/>
           <a:lstStyle>
             <a:lvl1pPr marL="0" indent="0">
               <a:buNone/>
@@ -2622,13 +2694,17 @@
             </a:lvl9pPr>
           </a:lstStyle>
           <a:p>
-            <a:endParaRPr kumimoji="1" lang="zh-CN" altLang="en-US"/>
-          </a:p>
-        </p:txBody>
-      </p:sp>
-      <p:sp>
-        <p:nvSpPr>
-          <p:cNvPr id="4" name="文本占位符 3"/>
+            <a:r>
+              <a:rPr lang="zh-CN" altLang="en-US"/>
+              <a:t>单击图标添加图片</a:t>
+            </a:r>
+            <a:endParaRPr lang="en-US" dirty="0"/>
+          </a:p>
+        </p:txBody>
+      </p:sp>
+      <p:sp>
+        <p:nvSpPr>
+          <p:cNvPr id="4" name="Text Placeholder 3"/>
           <p:cNvSpPr>
             <a:spLocks noGrp="1"/>
           </p:cNvSpPr>
@@ -2638,8 +2714,8 @@
         </p:nvSpPr>
         <p:spPr>
           <a:xfrm>
-            <a:off x="839788" y="2057400"/>
-            <a:ext cx="3932237" cy="3811588"/>
+            <a:off x="682328" y="2057400"/>
+            <a:ext cx="3194943" cy="3811588"/>
           </a:xfrm>
         </p:spPr>
         <p:txBody>
@@ -2685,7 +2761,7 @@
           <a:p>
             <a:pPr lvl="0"/>
             <a:r>
-              <a:rPr kumimoji="1" lang="zh-CN" altLang="en-US"/>
+              <a:rPr lang="zh-CN" altLang="en-US"/>
               <a:t>单击此处编辑母版文本样式</a:t>
             </a:r>
           </a:p>
@@ -2693,7 +2769,7 @@
       </p:sp>
       <p:sp>
         <p:nvSpPr>
-          <p:cNvPr id="5" name="日期占位符 4"/>
+          <p:cNvPr id="5" name="Date Placeholder 4"/>
           <p:cNvSpPr>
             <a:spLocks noGrp="1"/>
           </p:cNvSpPr>
@@ -2708,7 +2784,7 @@
           <a:p>
             <a:fld id="{B8C17918-3A8B-164F-B62C-07D5B113208C}" type="datetimeFigureOut">
               <a:rPr kumimoji="1" lang="zh-CN" altLang="en-US" smtClean="0"/>
-              <a:t>2025/6/13</a:t>
+              <a:t>2025/6/15</a:t>
             </a:fld>
             <a:endParaRPr kumimoji="1" lang="zh-CN" altLang="en-US"/>
           </a:p>
@@ -2716,7 +2792,7 @@
       </p:sp>
       <p:sp>
         <p:nvSpPr>
-          <p:cNvPr id="6" name="页脚占位符 5"/>
+          <p:cNvPr id="6" name="Footer Placeholder 5"/>
           <p:cNvSpPr>
             <a:spLocks noGrp="1"/>
           </p:cNvSpPr>
@@ -2735,7 +2811,7 @@
       </p:sp>
       <p:sp>
         <p:nvSpPr>
-          <p:cNvPr id="7" name="灯片编号占位符 6"/>
+          <p:cNvPr id="7" name="Slide Number Placeholder 6"/>
           <p:cNvSpPr>
             <a:spLocks noGrp="1"/>
           </p:cNvSpPr>
@@ -2757,6 +2833,11 @@
         </p:txBody>
       </p:sp>
     </p:spTree>
+    <p:extLst>
+      <p:ext uri="{BB962C8B-B14F-4D97-AF65-F5344CB8AC3E}">
+        <p14:creationId xmlns:p14="http://schemas.microsoft.com/office/powerpoint/2010/main" val="218099205"/>
+      </p:ext>
+    </p:extLst>
   </p:cSld>
   <p:clrMapOvr>
     <a:masterClrMapping/>
@@ -2788,7 +2869,7 @@
       </p:grpSpPr>
       <p:sp>
         <p:nvSpPr>
-          <p:cNvPr id="2" name="标题占位符 1"/>
+          <p:cNvPr id="2" name="Title Placeholder 1"/>
           <p:cNvSpPr>
             <a:spLocks noGrp="1"/>
           </p:cNvSpPr>
@@ -2798,8 +2879,8 @@
         </p:nvSpPr>
         <p:spPr>
           <a:xfrm>
-            <a:off x="838200" y="365125"/>
-            <a:ext cx="10515600" cy="1325563"/>
+            <a:off x="681038" y="365126"/>
+            <a:ext cx="8543925" cy="1325563"/>
           </a:xfrm>
           <a:prstGeom prst="rect">
             <a:avLst/>
@@ -2812,15 +2893,16 @@
           <a:lstStyle/>
           <a:p>
             <a:r>
-              <a:rPr kumimoji="1" lang="zh-CN" altLang="en-US"/>
+              <a:rPr lang="zh-CN" altLang="en-US"/>
               <a:t>单击此处编辑母版标题样式</a:t>
             </a:r>
-          </a:p>
-        </p:txBody>
-      </p:sp>
-      <p:sp>
-        <p:nvSpPr>
-          <p:cNvPr id="3" name="文本占位符 2"/>
+            <a:endParaRPr lang="en-US" dirty="0"/>
+          </a:p>
+        </p:txBody>
+      </p:sp>
+      <p:sp>
+        <p:nvSpPr>
+          <p:cNvPr id="3" name="Text Placeholder 2"/>
           <p:cNvSpPr>
             <a:spLocks noGrp="1"/>
           </p:cNvSpPr>
@@ -2830,8 +2912,8 @@
         </p:nvSpPr>
         <p:spPr>
           <a:xfrm>
-            <a:off x="838200" y="1825625"/>
-            <a:ext cx="10515600" cy="4351338"/>
+            <a:off x="681038" y="1825625"/>
+            <a:ext cx="8543925" cy="4351338"/>
           </a:xfrm>
           <a:prstGeom prst="rect">
             <a:avLst/>
@@ -2845,43 +2927,44 @@
           <a:p>
             <a:pPr lvl="0"/>
             <a:r>
-              <a:rPr kumimoji="1" lang="zh-CN" altLang="en-US"/>
+              <a:rPr lang="zh-CN" altLang="en-US"/>
               <a:t>单击此处编辑母版文本样式</a:t>
             </a:r>
           </a:p>
           <a:p>
             <a:pPr lvl="1"/>
             <a:r>
-              <a:rPr kumimoji="1" lang="zh-CN" altLang="en-US"/>
+              <a:rPr lang="zh-CN" altLang="en-US"/>
               <a:t>二级</a:t>
             </a:r>
           </a:p>
           <a:p>
             <a:pPr lvl="2"/>
             <a:r>
-              <a:rPr kumimoji="1" lang="zh-CN" altLang="en-US"/>
+              <a:rPr lang="zh-CN" altLang="en-US"/>
               <a:t>三级</a:t>
             </a:r>
           </a:p>
           <a:p>
             <a:pPr lvl="3"/>
             <a:r>
-              <a:rPr kumimoji="1" lang="zh-CN" altLang="en-US"/>
+              <a:rPr lang="zh-CN" altLang="en-US"/>
               <a:t>四级</a:t>
             </a:r>
           </a:p>
           <a:p>
             <a:pPr lvl="4"/>
             <a:r>
-              <a:rPr kumimoji="1" lang="zh-CN" altLang="en-US"/>
+              <a:rPr lang="zh-CN" altLang="en-US"/>
               <a:t>五级</a:t>
             </a:r>
-          </a:p>
-        </p:txBody>
-      </p:sp>
-      <p:sp>
-        <p:nvSpPr>
-          <p:cNvPr id="4" name="日期占位符 3"/>
+            <a:endParaRPr lang="en-US" dirty="0"/>
+          </a:p>
+        </p:txBody>
+      </p:sp>
+      <p:sp>
+        <p:nvSpPr>
+          <p:cNvPr id="4" name="Date Placeholder 3"/>
           <p:cNvSpPr>
             <a:spLocks noGrp="1"/>
           </p:cNvSpPr>
@@ -2891,8 +2974,8 @@
         </p:nvSpPr>
         <p:spPr>
           <a:xfrm>
-            <a:off x="838200" y="6356350"/>
-            <a:ext cx="2743200" cy="365125"/>
+            <a:off x="681038" y="6356352"/>
+            <a:ext cx="2228850" cy="365125"/>
           </a:xfrm>
           <a:prstGeom prst="rect">
             <a:avLst/>
@@ -2914,7 +2997,7 @@
           <a:p>
             <a:fld id="{B8C17918-3A8B-164F-B62C-07D5B113208C}" type="datetimeFigureOut">
               <a:rPr kumimoji="1" lang="zh-CN" altLang="en-US" smtClean="0"/>
-              <a:t>2025/6/13</a:t>
+              <a:t>2025/6/15</a:t>
             </a:fld>
             <a:endParaRPr kumimoji="1" lang="zh-CN" altLang="en-US"/>
           </a:p>
@@ -2922,7 +3005,7 @@
       </p:sp>
       <p:sp>
         <p:nvSpPr>
-          <p:cNvPr id="5" name="页脚占位符 4"/>
+          <p:cNvPr id="5" name="Footer Placeholder 4"/>
           <p:cNvSpPr>
             <a:spLocks noGrp="1"/>
           </p:cNvSpPr>
@@ -2932,8 +3015,8 @@
         </p:nvSpPr>
         <p:spPr>
           <a:xfrm>
-            <a:off x="4038600" y="6356350"/>
-            <a:ext cx="4114800" cy="365125"/>
+            <a:off x="3281363" y="6356352"/>
+            <a:ext cx="3343275" cy="365125"/>
           </a:xfrm>
           <a:prstGeom prst="rect">
             <a:avLst/>
@@ -2959,7 +3042,7 @@
       </p:sp>
       <p:sp>
         <p:nvSpPr>
-          <p:cNvPr id="6" name="灯片编号占位符 5"/>
+          <p:cNvPr id="6" name="Slide Number Placeholder 5"/>
           <p:cNvSpPr>
             <a:spLocks noGrp="1"/>
           </p:cNvSpPr>
@@ -2969,8 +3052,8 @@
         </p:nvSpPr>
         <p:spPr>
           <a:xfrm>
-            <a:off x="8610600" y="6356350"/>
-            <a:ext cx="2743200" cy="365125"/>
+            <a:off x="6996113" y="6356352"/>
+            <a:ext cx="2228850" cy="365125"/>
           </a:xfrm>
           <a:prstGeom prst="rect">
             <a:avLst/>
@@ -2999,20 +3082,25 @@
         </p:txBody>
       </p:sp>
     </p:spTree>
+    <p:extLst>
+      <p:ext uri="{BB962C8B-B14F-4D97-AF65-F5344CB8AC3E}">
+        <p14:creationId xmlns:p14="http://schemas.microsoft.com/office/powerpoint/2010/main" val="2745031506"/>
+      </p:ext>
+    </p:extLst>
   </p:cSld>
   <p:clrMap bg1="lt1" tx1="dk1" bg2="lt2" tx2="dk2" accent1="accent1" accent2="accent2" accent3="accent3" accent4="accent4" accent5="accent5" accent6="accent6" hlink="hlink" folHlink="folHlink"/>
   <p:sldLayoutIdLst>
-    <p:sldLayoutId id="2147483649" r:id="rId1"/>
-    <p:sldLayoutId id="2147483650" r:id="rId2"/>
-    <p:sldLayoutId id="2147483651" r:id="rId3"/>
-    <p:sldLayoutId id="2147483652" r:id="rId4"/>
-    <p:sldLayoutId id="2147483653" r:id="rId5"/>
-    <p:sldLayoutId id="2147483654" r:id="rId6"/>
-    <p:sldLayoutId id="2147483655" r:id="rId7"/>
-    <p:sldLayoutId id="2147483656" r:id="rId8"/>
-    <p:sldLayoutId id="2147483657" r:id="rId9"/>
-    <p:sldLayoutId id="2147483658" r:id="rId10"/>
-    <p:sldLayoutId id="2147483659" r:id="rId11"/>
+    <p:sldLayoutId id="2147483661" r:id="rId1"/>
+    <p:sldLayoutId id="2147483662" r:id="rId2"/>
+    <p:sldLayoutId id="2147483663" r:id="rId3"/>
+    <p:sldLayoutId id="2147483664" r:id="rId4"/>
+    <p:sldLayoutId id="2147483665" r:id="rId5"/>
+    <p:sldLayoutId id="2147483666" r:id="rId6"/>
+    <p:sldLayoutId id="2147483667" r:id="rId7"/>
+    <p:sldLayoutId id="2147483668" r:id="rId8"/>
+    <p:sldLayoutId id="2147483669" r:id="rId9"/>
+    <p:sldLayoutId id="2147483670" r:id="rId10"/>
+    <p:sldLayoutId id="2147483671" r:id="rId11"/>
   </p:sldLayoutIdLst>
   <p:txStyles>
     <p:titleStyle>
@@ -3042,7 +3130,7 @@
         <a:spcBef>
           <a:spcPts val="1000"/>
         </a:spcBef>
-        <a:buFont typeface="Arial" panose="020B0704020202020204" pitchFamily="34" charset="0"/>
+        <a:buFont typeface="Arial" panose="020B0604020202020204" pitchFamily="34" charset="0"/>
         <a:buChar char="•"/>
         <a:defRPr sz="2800" kern="1200">
           <a:solidFill>
@@ -3060,7 +3148,7 @@
         <a:spcBef>
           <a:spcPts val="500"/>
         </a:spcBef>
-        <a:buFont typeface="Arial" panose="020B0704020202020204" pitchFamily="34" charset="0"/>
+        <a:buFont typeface="Arial" panose="020B0604020202020204" pitchFamily="34" charset="0"/>
         <a:buChar char="•"/>
         <a:defRPr sz="2400" kern="1200">
           <a:solidFill>
@@ -3078,7 +3166,7 @@
         <a:spcBef>
           <a:spcPts val="500"/>
         </a:spcBef>
-        <a:buFont typeface="Arial" panose="020B0704020202020204" pitchFamily="34" charset="0"/>
+        <a:buFont typeface="Arial" panose="020B0604020202020204" pitchFamily="34" charset="0"/>
         <a:buChar char="•"/>
         <a:defRPr sz="2000" kern="1200">
           <a:solidFill>
@@ -3096,7 +3184,7 @@
         <a:spcBef>
           <a:spcPts val="500"/>
         </a:spcBef>
-        <a:buFont typeface="Arial" panose="020B0704020202020204" pitchFamily="34" charset="0"/>
+        <a:buFont typeface="Arial" panose="020B0604020202020204" pitchFamily="34" charset="0"/>
         <a:buChar char="•"/>
         <a:defRPr sz="1800" kern="1200">
           <a:solidFill>
@@ -3114,7 +3202,7 @@
         <a:spcBef>
           <a:spcPts val="500"/>
         </a:spcBef>
-        <a:buFont typeface="Arial" panose="020B0704020202020204" pitchFamily="34" charset="0"/>
+        <a:buFont typeface="Arial" panose="020B0604020202020204" pitchFamily="34" charset="0"/>
         <a:buChar char="•"/>
         <a:defRPr sz="1800" kern="1200">
           <a:solidFill>
@@ -3132,7 +3220,7 @@
         <a:spcBef>
           <a:spcPts val="500"/>
         </a:spcBef>
-        <a:buFont typeface="Arial" panose="020B0704020202020204" pitchFamily="34" charset="0"/>
+        <a:buFont typeface="Arial" panose="020B0604020202020204" pitchFamily="34" charset="0"/>
         <a:buChar char="•"/>
         <a:defRPr sz="1800" kern="1200">
           <a:solidFill>
@@ -3150,7 +3238,7 @@
         <a:spcBef>
           <a:spcPts val="500"/>
         </a:spcBef>
-        <a:buFont typeface="Arial" panose="020B0704020202020204" pitchFamily="34" charset="0"/>
+        <a:buFont typeface="Arial" panose="020B0604020202020204" pitchFamily="34" charset="0"/>
         <a:buChar char="•"/>
         <a:defRPr sz="1800" kern="1200">
           <a:solidFill>
@@ -3168,7 +3256,7 @@
         <a:spcBef>
           <a:spcPts val="500"/>
         </a:spcBef>
-        <a:buFont typeface="Arial" panose="020B0704020202020204" pitchFamily="34" charset="0"/>
+        <a:buFont typeface="Arial" panose="020B0604020202020204" pitchFamily="34" charset="0"/>
         <a:buChar char="•"/>
         <a:defRPr sz="1800" kern="1200">
           <a:solidFill>
@@ -3186,7 +3274,7 @@
         <a:spcBef>
           <a:spcPts val="500"/>
         </a:spcBef>
-        <a:buFont typeface="Arial" panose="020B0704020202020204" pitchFamily="34" charset="0"/>
+        <a:buFont typeface="Arial" panose="020B0604020202020204" pitchFamily="34" charset="0"/>
         <a:buChar char="•"/>
         <a:defRPr sz="1800" kern="1200">
           <a:solidFill>
@@ -3200,7 +3288,7 @@
     </p:bodyStyle>
     <p:otherStyle>
       <a:defPPr>
-        <a:defRPr lang="zh-CN"/>
+        <a:defRPr lang="en-US"/>
       </a:defPPr>
       <a:lvl1pPr marL="0" algn="l" defTabSz="914400" rtl="0" eaLnBrk="1" latinLnBrk="0" hangingPunct="1">
         <a:defRPr sz="1800" kern="1200">
@@ -3322,8 +3410,8 @@
         </p:nvSpPr>
         <p:spPr>
           <a:xfrm>
-            <a:off x="197385" y="103261"/>
-            <a:ext cx="11797230" cy="430887"/>
+            <a:off x="126124" y="103031"/>
+            <a:ext cx="9653752" cy="338554"/>
           </a:xfrm>
           <a:prstGeom prst="rect">
             <a:avLst/>
@@ -3338,26 +3426,50 @@
           <a:p>
             <a:pPr algn="ctr"/>
             <a:r>
-              <a:rPr lang="en-GB" altLang="zh-CN" sz="2200" b="1" dirty="0"/>
+              <a:rPr lang="en-GB" altLang="zh-CN" sz="1600" b="1" dirty="0">
+                <a:latin typeface="Microsoft YaHei" panose="020B0503020204020204" pitchFamily="34" charset="-122"/>
+                <a:ea typeface="Microsoft YaHei" panose="020B0503020204020204" pitchFamily="34" charset="-122"/>
+                <a:cs typeface="Ayuthaya" pitchFamily="2" charset="-34"/>
+              </a:rPr>
               <a:t>Behavior Prediction from Everyday Sounds via LLMs</a:t>
             </a:r>
             <a:r>
-              <a:rPr lang="zh-CN" altLang="en-US" sz="2200" b="1" dirty="0"/>
+              <a:rPr lang="zh-CN" altLang="en-US" sz="1600" b="1" dirty="0">
+                <a:latin typeface="Microsoft YaHei" panose="020B0503020204020204" pitchFamily="34" charset="-122"/>
+                <a:ea typeface="Microsoft YaHei" panose="020B0503020204020204" pitchFamily="34" charset="-122"/>
+                <a:cs typeface="Ayuthaya" pitchFamily="2" charset="-34"/>
+              </a:rPr>
               <a:t> </a:t>
             </a:r>
             <a:r>
-              <a:rPr lang="en-GB" altLang="zh-CN" sz="2200" b="1" dirty="0"/>
+              <a:rPr lang="en-GB" altLang="zh-CN" sz="1600" b="1" dirty="0">
+                <a:latin typeface="Microsoft YaHei" panose="020B0503020204020204" pitchFamily="34" charset="-122"/>
+                <a:ea typeface="Microsoft YaHei" panose="020B0503020204020204" pitchFamily="34" charset="-122"/>
+                <a:cs typeface="Ayuthaya" pitchFamily="2" charset="-34"/>
+              </a:rPr>
               <a:t>with Multi</a:t>
             </a:r>
             <a:r>
-              <a:rPr lang="en-US" altLang="zh-CN" sz="2200" b="1" dirty="0"/>
+              <a:rPr lang="en-US" altLang="zh-CN" sz="1600" b="1" dirty="0">
+                <a:latin typeface="Microsoft YaHei" panose="020B0503020204020204" pitchFamily="34" charset="-122"/>
+                <a:ea typeface="Microsoft YaHei" panose="020B0503020204020204" pitchFamily="34" charset="-122"/>
+                <a:cs typeface="Ayuthaya" pitchFamily="2" charset="-34"/>
+              </a:rPr>
               <a:t>-</a:t>
             </a:r>
             <a:r>
-              <a:rPr lang="en-GB" altLang="zh-CN" sz="2200" b="1" dirty="0"/>
+              <a:rPr lang="en-GB" altLang="zh-CN" sz="1600" b="1" dirty="0">
+                <a:latin typeface="Microsoft YaHei" panose="020B0503020204020204" pitchFamily="34" charset="-122"/>
+                <a:ea typeface="Microsoft YaHei" panose="020B0503020204020204" pitchFamily="34" charset="-122"/>
+                <a:cs typeface="Ayuthaya" pitchFamily="2" charset="-34"/>
+              </a:rPr>
               <a:t>sensor Context and Priors</a:t>
             </a:r>
-            <a:endParaRPr kumimoji="1" lang="zh-CN" altLang="en-US" sz="2200" b="1" dirty="0"/>
+            <a:endParaRPr kumimoji="1" lang="zh-CN" altLang="en-US" sz="1600" b="1" dirty="0">
+              <a:latin typeface="Microsoft YaHei" panose="020B0503020204020204" pitchFamily="34" charset="-122"/>
+              <a:ea typeface="Microsoft YaHei" panose="020B0503020204020204" pitchFamily="34" charset="-122"/>
+              <a:cs typeface="Ayuthaya" pitchFamily="2" charset="-34"/>
+            </a:endParaRPr>
           </a:p>
         </p:txBody>
       </p:sp>
@@ -3369,8 +3481,8 @@
         </p:nvSpPr>
         <p:spPr>
           <a:xfrm>
-            <a:off x="197385" y="551513"/>
-            <a:ext cx="6566972" cy="3354765"/>
+            <a:off x="250777" y="476706"/>
+            <a:ext cx="5089702" cy="4031873"/>
           </a:xfrm>
           <a:prstGeom prst="rect">
             <a:avLst/>
@@ -3384,87 +3496,65 @@
           <a:lstStyle/>
           <a:p>
             <a:r>
-              <a:rPr kumimoji="1" lang="en-US" altLang="zh-CN" sz="2000" b="1" dirty="0">
+              <a:rPr kumimoji="1" lang="en-US" altLang="zh-CN" sz="1600" b="1" dirty="0">
+                <a:latin typeface="Microsoft YaHei" panose="020B0503020204020204" pitchFamily="34" charset="-122"/>
+                <a:ea typeface="Microsoft YaHei" panose="020B0503020204020204" pitchFamily="34" charset="-122"/>
+                <a:cs typeface="Arial" panose="020B0704020202020204" pitchFamily="34" charset="0"/>
+              </a:rPr>
+              <a:t>Abstract: </a:t>
+            </a:r>
+          </a:p>
+          <a:p>
+            <a:r>
+              <a:rPr lang="en-GB" altLang="zh-CN" sz="1400" dirty="0">
                 <a:latin typeface="Arial" panose="020B0704020202020204" pitchFamily="34" charset="0"/>
                 <a:cs typeface="Arial" panose="020B0704020202020204" pitchFamily="34" charset="0"/>
               </a:rPr>
-              <a:t>Intro: </a:t>
-            </a:r>
-          </a:p>
-          <a:p>
-            <a:r>
-              <a:rPr lang="en-GB" altLang="zh-CN" sz="1600" dirty="0">
-                <a:latin typeface="Arial" panose="020B0704020202020204" pitchFamily="34" charset="0"/>
-                <a:cs typeface="Arial" panose="020B0704020202020204" pitchFamily="34" charset="0"/>
-              </a:rPr>
-              <a:t>Sounds are ubiquitous in daily life: wind while running, clinking at meals, keyboard taps at work. With some context</a:t>
-            </a:r>
-            <a:r>
-              <a:rPr lang="zh-CN" altLang="en-US" sz="1600" dirty="0">
+              <a:t>Sounds are ubiquitous in our</a:t>
+            </a:r>
+            <a:r>
+              <a:rPr lang="zh-CN" altLang="en-US" sz="1400" dirty="0">
                 <a:latin typeface="Arial" panose="020B0704020202020204" pitchFamily="34" charset="0"/>
                 <a:cs typeface="Arial" panose="020B0704020202020204" pitchFamily="34" charset="0"/>
               </a:rPr>
               <a:t> </a:t>
             </a:r>
             <a:r>
-              <a:rPr lang="en-US" altLang="zh-CN" sz="1600" dirty="0">
+              <a:rPr lang="en-GB" altLang="zh-CN" sz="1400" dirty="0">
                 <a:latin typeface="Arial" panose="020B0704020202020204" pitchFamily="34" charset="0"/>
                 <a:cs typeface="Arial" panose="020B0704020202020204" pitchFamily="34" charset="0"/>
               </a:rPr>
-              <a:t>and </a:t>
-            </a:r>
-            <a:r>
-              <a:rPr lang="en-GB" altLang="zh-CN" sz="1600" dirty="0">
+              <a:t>daily life—from the wind during a run to tableware clinking at meals. With context and prior knowledge, humans can easily infer ongoing activities. Machines, however, have long lacked this ability—until recent advances in large language models (LLMs), which enable real-world multimodal behaviour understanding.</a:t>
+            </a:r>
+          </a:p>
+          <a:p>
+            <a:r>
+              <a:rPr lang="en-GB" altLang="zh-CN" sz="1400" dirty="0">
                 <a:latin typeface="Arial" panose="020B0704020202020204" pitchFamily="34" charset="0"/>
                 <a:cs typeface="Arial" panose="020B0704020202020204" pitchFamily="34" charset="0"/>
               </a:rPr>
-              <a:t>prior knowledge, people can imagine what’s happening just by sounds.</a:t>
-            </a:r>
-          </a:p>
-          <a:p>
-            <a:r>
-              <a:rPr lang="en-GB" altLang="zh-CN" sz="1600" dirty="0">
-                <a:latin typeface="Arial" panose="020B0704020202020204" pitchFamily="34" charset="0"/>
-                <a:cs typeface="Arial" panose="020B0704020202020204" pitchFamily="34" charset="0"/>
-              </a:rPr>
-              <a:t>Yet machines can’t — until now. By leveraging everyday devices like smartwatches, we can</a:t>
-            </a:r>
-            <a:r>
-              <a:rPr lang="zh-CN" altLang="en-US" sz="1600" dirty="0">
+              <a:t>Our work explores how LLMs can infer fine-grained user behaviour from everyday audio, supported by multi-sensor context and user priors. We use smartwatch-recorded audio as the main input, enhanced by signals from IMU, GPS, and other sensors, along with user profiles and routines. These cues help distinguish acoustically similar events and support higher-level reasoning—such as differentiating walking to class from walking in a mall</a:t>
+            </a:r>
+            <a:r>
+              <a:rPr lang="zh-CN" altLang="en-US" sz="1400" dirty="0">
                 <a:latin typeface="Arial" panose="020B0704020202020204" pitchFamily="34" charset="0"/>
                 <a:cs typeface="Arial" panose="020B0704020202020204" pitchFamily="34" charset="0"/>
               </a:rPr>
               <a:t> </a:t>
             </a:r>
             <a:r>
-              <a:rPr lang="en-GB" altLang="zh-CN" sz="1600" dirty="0">
+              <a:rPr lang="en-US" altLang="zh-CN" sz="1400" dirty="0">
                 <a:latin typeface="Arial" panose="020B0704020202020204" pitchFamily="34" charset="0"/>
                 <a:cs typeface="Arial" panose="020B0704020202020204" pitchFamily="34" charset="0"/>
               </a:rPr>
-              <a:t>capture real-time audio and sensor data.</a:t>
-            </a:r>
-            <a:r>
-              <a:rPr lang="zh-CN" altLang="en-US" sz="1600" dirty="0">
+              <a:t>by GPS and activity data</a:t>
+            </a:r>
+            <a:r>
+              <a:rPr lang="en-GB" altLang="zh-CN" sz="1400" dirty="0">
                 <a:latin typeface="Arial" panose="020B0704020202020204" pitchFamily="34" charset="0"/>
                 <a:cs typeface="Arial" panose="020B0704020202020204" pitchFamily="34" charset="0"/>
               </a:rPr>
-              <a:t> </a:t>
-            </a:r>
-            <a:r>
-              <a:rPr lang="en-GB" altLang="zh-CN" sz="1600" dirty="0">
-                <a:latin typeface="Arial" panose="020B0704020202020204" pitchFamily="34" charset="0"/>
-                <a:cs typeface="Arial" panose="020B0704020202020204" pitchFamily="34" charset="0"/>
-              </a:rPr>
-              <a:t>Sensor readings help infer context such as location and activity, which, combined with user habits, form auxiliary knowledge. This knowledge, along with raw audio, is fed into a multimodal large model to predict the user's current behavior and state.</a:t>
-            </a:r>
-          </a:p>
-          <a:p>
-            <a:r>
-              <a:rPr lang="en-GB" altLang="zh-CN" sz="1600" dirty="0">
-                <a:latin typeface="Arial" panose="020B0704020202020204" pitchFamily="34" charset="0"/>
-                <a:cs typeface="Arial" panose="020B0704020202020204" pitchFamily="34" charset="0"/>
-              </a:rPr>
-              <a:t>With continuous recordings, we can analyze users’ daily routines and provide detailed daily activity lists and behavior reports for self-reflection and understanding.</a:t>
+              <a:t>. Our system aim of fuses these inputs into LLM-based reasoning to generate daily activity summaries and behaviour reports, enabling intelligent prediction and self-reflection.</a:t>
             </a:r>
           </a:p>
         </p:txBody>
@@ -3477,8 +3567,8 @@
         </p:nvSpPr>
         <p:spPr>
           <a:xfrm>
-            <a:off x="6764357" y="2299754"/>
-            <a:ext cx="5367812" cy="3847207"/>
+            <a:off x="5340479" y="2252791"/>
+            <a:ext cx="4314744" cy="3600986"/>
           </a:xfrm>
           <a:prstGeom prst="rect">
             <a:avLst/>
@@ -3492,8 +3582,9 @@
           <a:lstStyle/>
           <a:p>
             <a:r>
-              <a:rPr kumimoji="1" lang="en-US" altLang="zh-CN" sz="2000" b="1" dirty="0">
-                <a:latin typeface="Arial" panose="020B0704020202020204" pitchFamily="34" charset="0"/>
+              <a:rPr kumimoji="1" lang="en-US" altLang="zh-CN" sz="1600" b="1" dirty="0">
+                <a:latin typeface="Microsoft YaHei" panose="020B0503020204020204" pitchFamily="34" charset="-122"/>
+                <a:ea typeface="Microsoft YaHei" panose="020B0503020204020204" pitchFamily="34" charset="-122"/>
                 <a:cs typeface="Arial" panose="020B0704020202020204" pitchFamily="34" charset="0"/>
               </a:rPr>
               <a:t>Dataset: </a:t>
@@ -3501,42 +3592,42 @@
           </a:p>
           <a:p>
             <a:r>
-              <a:rPr lang="en-GB" altLang="zh-CN" sz="1600" dirty="0">
+              <a:rPr lang="en-GB" altLang="zh-CN" sz="1400" dirty="0">
                 <a:latin typeface="Arial" panose="020B0704020202020204" pitchFamily="34" charset="0"/>
                 <a:cs typeface="Arial" panose="020B0704020202020204" pitchFamily="34" charset="0"/>
               </a:rPr>
               <a:t>Given the specificity of data required, no public dataset fits our project needs. Therefore, we</a:t>
             </a:r>
             <a:r>
-              <a:rPr lang="zh-CN" altLang="en-US" sz="1600" dirty="0">
+              <a:rPr lang="zh-CN" altLang="en-US" sz="1400" dirty="0">
                 <a:latin typeface="Arial" panose="020B0704020202020204" pitchFamily="34" charset="0"/>
                 <a:cs typeface="Arial" panose="020B0704020202020204" pitchFamily="34" charset="0"/>
               </a:rPr>
               <a:t> </a:t>
             </a:r>
             <a:r>
-              <a:rPr lang="en-US" altLang="zh-CN" sz="1600" dirty="0">
+              <a:rPr lang="en-US" altLang="zh-CN" sz="1400" dirty="0">
                 <a:latin typeface="Arial" panose="020B0704020202020204" pitchFamily="34" charset="0"/>
                 <a:cs typeface="Arial" panose="020B0704020202020204" pitchFamily="34" charset="0"/>
               </a:rPr>
               <a:t>will</a:t>
             </a:r>
             <a:r>
-              <a:rPr lang="en-GB" altLang="zh-CN" sz="1600" dirty="0">
+              <a:rPr lang="en-GB" altLang="zh-CN" sz="1400" dirty="0">
                 <a:latin typeface="Arial" panose="020B0704020202020204" pitchFamily="34" charset="0"/>
                 <a:cs typeface="Arial" panose="020B0704020202020204" pitchFamily="34" charset="0"/>
               </a:rPr>
               <a:t> construct a custom dataset via smartwatches, mainly</a:t>
             </a:r>
             <a:r>
-              <a:rPr lang="zh-CN" altLang="en-US" sz="1600" dirty="0">
+              <a:rPr lang="zh-CN" altLang="en-US" sz="1400" dirty="0">
                 <a:latin typeface="Arial" panose="020B0704020202020204" pitchFamily="34" charset="0"/>
                 <a:cs typeface="Arial" panose="020B0704020202020204" pitchFamily="34" charset="0"/>
               </a:rPr>
               <a:t> </a:t>
             </a:r>
             <a:r>
-              <a:rPr lang="en-GB" altLang="zh-CN" sz="1600" dirty="0">
+              <a:rPr lang="en-GB" altLang="zh-CN" sz="1400" dirty="0">
                 <a:latin typeface="Arial" panose="020B0704020202020204" pitchFamily="34" charset="0"/>
                 <a:cs typeface="Arial" panose="020B0704020202020204" pitchFamily="34" charset="0"/>
               </a:rPr>
@@ -3544,12 +3635,12 @@
             </a:r>
           </a:p>
           <a:p>
-            <a:pPr marL="285750" indent="-285750">
+            <a:pPr marL="232172" indent="-232172">
               <a:buFont typeface="Arial" panose="020B0704020202020204" pitchFamily="34" charset="0"/>
               <a:buChar char="•"/>
             </a:pPr>
             <a:r>
-              <a:rPr lang="en-GB" altLang="zh-CN" sz="1600" dirty="0">
+              <a:rPr lang="en-GB" altLang="zh-CN" sz="1400" dirty="0">
                 <a:latin typeface="Arial" panose="020B0704020202020204" pitchFamily="34" charset="0"/>
                 <a:cs typeface="Arial" panose="020B0704020202020204" pitchFamily="34" charset="0"/>
               </a:rPr>
@@ -3557,12 +3648,12 @@
             </a:r>
           </a:p>
           <a:p>
-            <a:pPr marL="285750" indent="-285750">
+            <a:pPr marL="232172" indent="-232172">
               <a:buFont typeface="Arial" panose="020B0704020202020204" pitchFamily="34" charset="0"/>
               <a:buChar char="•"/>
             </a:pPr>
             <a:r>
-              <a:rPr lang="en-GB" altLang="zh-CN" sz="1600" dirty="0">
+              <a:rPr lang="en-GB" altLang="zh-CN" sz="1400" dirty="0">
                 <a:latin typeface="Arial" panose="020B0704020202020204" pitchFamily="34" charset="0"/>
                 <a:cs typeface="Arial" panose="020B0704020202020204" pitchFamily="34" charset="0"/>
               </a:rPr>
@@ -3570,12 +3661,12 @@
             </a:r>
           </a:p>
           <a:p>
-            <a:pPr marL="285750" indent="-285750">
+            <a:pPr marL="232172" indent="-232172">
               <a:buFont typeface="Arial" panose="020B0704020202020204" pitchFamily="34" charset="0"/>
               <a:buChar char="•"/>
             </a:pPr>
             <a:r>
-              <a:rPr lang="en-GB" altLang="zh-CN" sz="1600" dirty="0">
+              <a:rPr lang="en-GB" altLang="zh-CN" sz="1400" dirty="0">
                 <a:latin typeface="Arial" panose="020B0704020202020204" pitchFamily="34" charset="0"/>
                 <a:cs typeface="Arial" panose="020B0704020202020204" pitchFamily="34" charset="0"/>
               </a:rPr>
@@ -3583,12 +3674,12 @@
             </a:r>
           </a:p>
           <a:p>
-            <a:pPr marL="285750" indent="-285750">
+            <a:pPr marL="232172" indent="-232172">
               <a:buFont typeface="Arial" panose="020B0704020202020204" pitchFamily="34" charset="0"/>
               <a:buChar char="•"/>
             </a:pPr>
             <a:r>
-              <a:rPr lang="en-GB" altLang="zh-CN" sz="1600" dirty="0">
+              <a:rPr lang="en-GB" altLang="zh-CN" sz="1400" dirty="0">
                 <a:latin typeface="Arial" panose="020B0704020202020204" pitchFamily="34" charset="0"/>
                 <a:cs typeface="Arial" panose="020B0704020202020204" pitchFamily="34" charset="0"/>
               </a:rPr>
@@ -3596,12 +3687,12 @@
             </a:r>
           </a:p>
           <a:p>
-            <a:pPr marL="285750" indent="-285750">
+            <a:pPr marL="232172" indent="-232172">
               <a:buFont typeface="Arial" panose="020B0704020202020204" pitchFamily="34" charset="0"/>
               <a:buChar char="•"/>
             </a:pPr>
             <a:r>
-              <a:rPr lang="en-GB" altLang="zh-CN" sz="1600" dirty="0">
+              <a:rPr lang="en-GB" altLang="zh-CN" sz="1400" dirty="0">
                 <a:latin typeface="Arial" panose="020B0704020202020204" pitchFamily="34" charset="0"/>
                 <a:cs typeface="Arial" panose="020B0704020202020204" pitchFamily="34" charset="0"/>
               </a:rPr>
@@ -3631,8 +3722,8 @@
         </p:blipFill>
         <p:spPr bwMode="auto">
           <a:xfrm>
-            <a:off x="10662547" y="686042"/>
-            <a:ext cx="989522" cy="1787892"/>
+            <a:off x="8704403" y="605018"/>
+            <a:ext cx="873095" cy="1577530"/>
           </a:xfrm>
           <a:prstGeom prst="rect">
             <a:avLst/>
@@ -3670,8 +3761,8 @@
         </p:blipFill>
         <p:spPr>
           <a:xfrm>
-            <a:off x="395689" y="3948980"/>
-            <a:ext cx="6028523" cy="2721135"/>
+            <a:off x="474671" y="4493064"/>
+            <a:ext cx="4651055" cy="2099377"/>
           </a:xfrm>
           <a:prstGeom prst="rect">
             <a:avLst/>
@@ -3692,16 +3783,15 @@
           </p:cNvPicPr>
           <p:nvPr/>
         </p:nvPicPr>
-        <p:blipFill>
+        <p:blipFill rotWithShape="1">
           <a:blip r:embed="rId5"/>
-          <a:stretch>
-            <a:fillRect/>
-          </a:stretch>
+          <a:srcRect l="6284" t="6887" r="1168" b="6802"/>
+          <a:stretch/>
         </p:blipFill>
         <p:spPr>
           <a:xfrm>
-            <a:off x="6841465" y="573337"/>
-            <a:ext cx="3649521" cy="1833907"/>
+            <a:off x="5340478" y="582705"/>
+            <a:ext cx="3262557" cy="1528965"/>
           </a:xfrm>
           <a:prstGeom prst="rect">
             <a:avLst/>
@@ -3731,8 +3821,8 @@
         </p:blipFill>
         <p:spPr>
           <a:xfrm>
-            <a:off x="10215154" y="5976739"/>
-            <a:ext cx="1917015" cy="720554"/>
+            <a:off x="7714939" y="5885804"/>
+            <a:ext cx="1967638" cy="739581"/>
           </a:xfrm>
           <a:prstGeom prst="rect">
             <a:avLst/>
@@ -3753,8 +3843,8 @@
         </p:nvSpPr>
         <p:spPr>
           <a:xfrm>
-            <a:off x="6764357" y="6112518"/>
-            <a:ext cx="3726629" cy="584775"/>
+            <a:off x="5340478" y="5853777"/>
+            <a:ext cx="2314690" cy="738664"/>
           </a:xfrm>
           <a:prstGeom prst="rect">
             <a:avLst/>
@@ -3768,83 +3858,85 @@
           <a:lstStyle/>
           <a:p>
             <a:r>
-              <a:rPr kumimoji="1" lang="en-US" altLang="zh-CN" sz="1600" b="1" dirty="0">
+              <a:rPr kumimoji="1" lang="en-US" altLang="zh-CN" sz="1400" b="1" dirty="0">
+                <a:latin typeface="Microsoft YaHei" panose="020B0503020204020204" pitchFamily="34" charset="-122"/>
+                <a:ea typeface="Microsoft YaHei" panose="020B0503020204020204" pitchFamily="34" charset="-122"/>
+                <a:cs typeface="Arial" panose="020B0604020202020204" pitchFamily="34" charset="0"/>
+              </a:rPr>
+              <a:t>Author:</a:t>
+            </a:r>
+            <a:r>
+              <a:rPr kumimoji="1" lang="zh-CN" altLang="en-US" sz="1400" b="1" dirty="0">
+                <a:latin typeface="Microsoft YaHei" panose="020B0503020204020204" pitchFamily="34" charset="-122"/>
+                <a:ea typeface="Microsoft YaHei" panose="020B0503020204020204" pitchFamily="34" charset="-122"/>
+                <a:cs typeface="Arial" panose="020B0604020202020204" pitchFamily="34" charset="0"/>
+              </a:rPr>
+              <a:t> </a:t>
+            </a:r>
+            <a:r>
+              <a:rPr kumimoji="1" lang="en-US" altLang="zh-CN" sz="1400" dirty="0">
                 <a:latin typeface="Arial" panose="020B0604020202020204" pitchFamily="34" charset="0"/>
                 <a:cs typeface="Arial" panose="020B0604020202020204" pitchFamily="34" charset="0"/>
               </a:rPr>
-              <a:t>Author:</a:t>
-            </a:r>
-            <a:r>
-              <a:rPr kumimoji="1" lang="zh-CN" altLang="en-US" sz="1600" b="1" dirty="0">
+              <a:t>Xingjian Tian, </a:t>
+            </a:r>
+            <a:r>
+              <a:rPr kumimoji="1" lang="en-US" altLang="zh-CN" sz="1400" dirty="0" err="1">
+                <a:latin typeface="Arial" panose="020B0604020202020204" pitchFamily="34" charset="0"/>
+                <a:cs typeface="Arial" panose="020B0604020202020204" pitchFamily="34" charset="0"/>
+              </a:rPr>
+              <a:t>Fangfei</a:t>
+            </a:r>
+            <a:r>
+              <a:rPr kumimoji="1" lang="en-US" altLang="zh-CN" sz="1400" dirty="0">
+                <a:latin typeface="Arial" panose="020B0604020202020204" pitchFamily="34" charset="0"/>
+                <a:cs typeface="Arial" panose="020B0604020202020204" pitchFamily="34" charset="0"/>
+              </a:rPr>
+              <a:t> Gou, </a:t>
+            </a:r>
+            <a:r>
+              <a:rPr kumimoji="1" lang="en-US" altLang="zh-CN" sz="1400" b="1" dirty="0">
                 <a:latin typeface="Arial" panose="020B0604020202020204" pitchFamily="34" charset="0"/>
                 <a:cs typeface="Arial" panose="020B0604020202020204" pitchFamily="34" charset="0"/>
               </a:rPr>
               <a:t> </a:t>
             </a:r>
             <a:r>
-              <a:rPr kumimoji="1" lang="en-US" altLang="zh-CN" sz="1600" dirty="0">
-                <a:latin typeface="Arial" panose="020B0604020202020204" pitchFamily="34" charset="0"/>
-                <a:cs typeface="Arial" panose="020B0604020202020204" pitchFamily="34" charset="0"/>
-              </a:rPr>
-              <a:t>Xingjian Tian, </a:t>
-            </a:r>
-            <a:r>
-              <a:rPr kumimoji="1" lang="en-US" altLang="zh-CN" sz="1600" dirty="0" err="1">
-                <a:latin typeface="Arial" panose="020B0604020202020204" pitchFamily="34" charset="0"/>
-                <a:cs typeface="Arial" panose="020B0604020202020204" pitchFamily="34" charset="0"/>
-              </a:rPr>
-              <a:t>Fangfei</a:t>
-            </a:r>
-            <a:r>
-              <a:rPr kumimoji="1" lang="en-US" altLang="zh-CN" sz="1600" dirty="0">
-                <a:latin typeface="Arial" panose="020B0604020202020204" pitchFamily="34" charset="0"/>
-                <a:cs typeface="Arial" panose="020B0604020202020204" pitchFamily="34" charset="0"/>
-              </a:rPr>
-              <a:t> Gou, </a:t>
-            </a:r>
-            <a:r>
-              <a:rPr kumimoji="1" lang="en-US" altLang="zh-CN" sz="1600" b="1" dirty="0">
-                <a:latin typeface="Arial" panose="020B0604020202020204" pitchFamily="34" charset="0"/>
-                <a:cs typeface="Arial" panose="020B0604020202020204" pitchFamily="34" charset="0"/>
-              </a:rPr>
-              <a:t> </a:t>
-            </a:r>
-            <a:r>
-              <a:rPr kumimoji="1" lang="en-US" altLang="zh-CN" sz="1600" dirty="0">
+              <a:rPr kumimoji="1" lang="en-US" altLang="zh-CN" sz="1400" dirty="0">
                 <a:latin typeface="Arial" panose="020B0604020202020204" pitchFamily="34" charset="0"/>
                 <a:cs typeface="Arial" panose="020B0604020202020204" pitchFamily="34" charset="0"/>
               </a:rPr>
               <a:t>Xin Tang, </a:t>
             </a:r>
             <a:r>
-              <a:rPr kumimoji="1" lang="en-US" altLang="zh-CN" sz="1600" dirty="0" err="1">
+              <a:rPr kumimoji="1" lang="en-US" altLang="zh-CN" sz="1400" dirty="0" err="1">
                 <a:latin typeface="Arial" panose="020B0604020202020204" pitchFamily="34" charset="0"/>
                 <a:cs typeface="Arial" panose="020B0604020202020204" pitchFamily="34" charset="0"/>
               </a:rPr>
               <a:t>Zeyu</a:t>
             </a:r>
             <a:r>
-              <a:rPr kumimoji="1" lang="en-US" altLang="zh-CN" sz="1600" dirty="0">
+              <a:rPr kumimoji="1" lang="en-US" altLang="zh-CN" sz="1400" dirty="0">
                 <a:latin typeface="Arial" panose="020B0604020202020204" pitchFamily="34" charset="0"/>
                 <a:cs typeface="Arial" panose="020B0604020202020204" pitchFamily="34" charset="0"/>
               </a:rPr>
               <a:t> Wang, </a:t>
             </a:r>
             <a:r>
-              <a:rPr kumimoji="1" lang="en-US" altLang="zh-CN" sz="1600" dirty="0" err="1">
+              <a:rPr kumimoji="1" lang="en-US" altLang="zh-CN" sz="1400" dirty="0" err="1">
                 <a:latin typeface="Arial" panose="020B0604020202020204" pitchFamily="34" charset="0"/>
                 <a:cs typeface="Arial" panose="020B0604020202020204" pitchFamily="34" charset="0"/>
               </a:rPr>
               <a:t>Yingke</a:t>
             </a:r>
             <a:r>
-              <a:rPr kumimoji="1" lang="en-US" altLang="zh-CN" sz="1600" dirty="0">
+              <a:rPr kumimoji="1" lang="en-US" altLang="zh-CN" sz="1400" dirty="0">
                 <a:latin typeface="Arial" panose="020B0604020202020204" pitchFamily="34" charset="0"/>
                 <a:cs typeface="Arial" panose="020B0604020202020204" pitchFamily="34" charset="0"/>
               </a:rPr>
               <a:t> Ding</a:t>
             </a:r>
-            <a:endParaRPr kumimoji="1" lang="en-US" altLang="zh-CN" sz="1600" b="1" dirty="0">
+            <a:endParaRPr kumimoji="1" lang="en-US" altLang="zh-CN" sz="1400" b="1" dirty="0">
               <a:latin typeface="Arial" panose="020B0604020202020204" pitchFamily="34" charset="0"/>
               <a:cs typeface="Arial" panose="020B0604020202020204" pitchFamily="34" charset="0"/>
             </a:endParaRPr>
@@ -3862,7 +3954,7 @@
 <file path=ppt/theme/theme1.xml><?xml version="1.0" encoding="utf-8"?>
 <a:theme xmlns:a="http://schemas.openxmlformats.org/drawingml/2006/main" name="Office 主题​​">
   <a:themeElements>
-    <a:clrScheme name="Office">
+    <a:clrScheme name="Office 主题​​">
       <a:dk1>
         <a:sysClr val="windowText" lastClr="000000"/>
       </a:dk1>
@@ -3900,9 +3992,9 @@
         <a:srgbClr val="954F72"/>
       </a:folHlink>
     </a:clrScheme>
-    <a:fontScheme name="Office">
+    <a:fontScheme name="Office 主题​​">
       <a:majorFont>
-        <a:latin typeface="等线 Light"/>
+        <a:latin typeface="Calibri Light" panose="020F0302020204030204"/>
         <a:ea typeface=""/>
         <a:cs typeface=""/>
         <a:font script="Jpan" typeface="游ゴシック Light"/>
@@ -3937,7 +4029,7 @@
         <a:font script="Geor" typeface="Sylfaen"/>
       </a:majorFont>
       <a:minorFont>
-        <a:latin typeface="等线"/>
+        <a:latin typeface="Calibri" panose="020F0502020204030204"/>
         <a:ea typeface=""/>
         <a:cs typeface=""/>
         <a:font script="Jpan" typeface="游ゴシック"/>
@@ -3972,7 +4064,7 @@
         <a:font script="Geor" typeface="Sylfaen"/>
       </a:minorFont>
     </a:fontScheme>
-    <a:fmtScheme name="Office">
+    <a:fmtScheme name="Office 主题​​">
       <a:fillStyleLst>
         <a:solidFill>
           <a:schemeClr val="phClr"/>
@@ -4114,7 +4206,7 @@
   <a:extraClrSchemeLst/>
   <a:extLst>
     <a:ext uri="{05A4C25C-085E-4340-85A3-A5531E510DB2}">
-      <thm15:themeFamily xmlns:thm15="http://schemas.microsoft.com/office/thememl/2012/main" name="Office Theme" id="{62F939B6-93AF-4DB8-9C6B-D6C7DFDC589F}" vid="{4A3C46E8-61CC-4603-A589-7422A47A8E4A}"/>
+      <thm15:themeFamily xmlns:thm15="http://schemas.microsoft.com/office/thememl/2012/main" name="Office 2013 - 2022 Theme" id="{62F939B6-93AF-4DB8-9C6B-D6C7DFDC589F}" vid="{4A3C46E8-61CC-4603-A589-7422A47A8E4A}"/>
     </a:ext>
   </a:extLst>
 </a:theme>

--- a/idea poster.pptx
+++ b/idea poster.pptx
@@ -3821,8 +3821,8 @@
         </p:blipFill>
         <p:spPr>
           <a:xfrm>
-            <a:off x="7714939" y="5885804"/>
-            <a:ext cx="1967638" cy="739581"/>
+            <a:off x="8102480" y="6102082"/>
+            <a:ext cx="1677396" cy="630487"/>
           </a:xfrm>
           <a:prstGeom prst="rect">
             <a:avLst/>
@@ -3844,7 +3844,7 @@
         <p:spPr>
           <a:xfrm>
             <a:off x="5340478" y="5853777"/>
-            <a:ext cx="2314690" cy="738664"/>
+            <a:ext cx="2664703" cy="738664"/>
           </a:xfrm>
           <a:prstGeom prst="rect">
             <a:avLst/>
